--- a/Daily(written_by_Korean)/180713.pptx
+++ b/Daily(written_by_Korean)/180713.pptx
@@ -148,7 +148,7 @@
   </p:defaultTextStyle>
   <p:extLst>
     <p:ext uri="{EFAFB233-063F-42B5-8137-9DF3F51BA10A}">
-      <p15:sldGuideLst xmlns="" xmlns:p15="http://schemas.microsoft.com/office/powerpoint/2012/main">
+      <p15:sldGuideLst xmlns:p15="http://schemas.microsoft.com/office/powerpoint/2012/main" xmlns="">
         <p15:guide id="1" orient="horz" pos="2160">
           <p15:clr>
             <a:srgbClr val="A4A3A4"/>
@@ -265,7 +265,7 @@
               <a:pPr>
                 <a:defRPr/>
               </a:pPr>
-              <a:t>2018-07-12</a:t>
+              <a:t>2018-07-13</a:t>
             </a:fld>
             <a:endParaRPr lang="ko-KR" altLang="en-US"/>
           </a:p>
@@ -8349,11 +8349,7 @@
             </a:r>
             <a:r>
               <a:rPr lang="en-US" altLang="ko-KR" sz="2000" dirty="0" smtClean="0"/>
-              <a:t> </a:t>
-            </a:r>
-            <a:r>
-              <a:rPr lang="en-US" altLang="ko-KR" sz="2000" dirty="0" smtClean="0"/>
-              <a:t>index)</a:t>
+              <a:t> index)</a:t>
             </a:r>
             <a:endParaRPr lang="en-US" altLang="ko-KR" sz="1600" kern="0" dirty="0">
               <a:latin typeface="Arial"/>
@@ -9572,7 +9568,7 @@
         <p:spPr>
           <a:xfrm>
             <a:off x="395535" y="1135063"/>
-            <a:ext cx="8280921" cy="2751522"/>
+            <a:ext cx="8280921" cy="5690789"/>
           </a:xfrm>
           <a:prstGeom prst="rect">
             <a:avLst/>
@@ -9762,8 +9758,178 @@
               <a:t>Using Time-Series Forecast model: ARIMA</a:t>
             </a:r>
           </a:p>
+          <a:p>
+            <a:pPr marL="1188000" lvl="3" indent="-228600" algn="just" fontAlgn="t">
+              <a:spcBef>
+                <a:spcPct val="20000"/>
+              </a:spcBef>
+              <a:buClr>
+                <a:srgbClr val="A20000"/>
+              </a:buClr>
+              <a:buSzPct val="100000"/>
+              <a:buFont typeface="Wingdings" pitchFamily="2" charset="2"/>
+              <a:buChar char="ú"/>
+            </a:pPr>
+            <a:endParaRPr lang="en-US" altLang="ko-KR" sz="1600" dirty="0"/>
+          </a:p>
+          <a:p>
+            <a:pPr marL="1188000" lvl="3" indent="-228600" algn="just" fontAlgn="t">
+              <a:spcBef>
+                <a:spcPct val="20000"/>
+              </a:spcBef>
+              <a:buClr>
+                <a:srgbClr val="A20000"/>
+              </a:buClr>
+              <a:buSzPct val="100000"/>
+              <a:buFont typeface="Wingdings" pitchFamily="2" charset="2"/>
+              <a:buChar char="ú"/>
+            </a:pPr>
+            <a:endParaRPr lang="en-US" altLang="ko-KR" sz="1600" dirty="0" smtClean="0"/>
+          </a:p>
+          <a:p>
+            <a:pPr marL="1188000" lvl="3" indent="-228600" algn="just" fontAlgn="t">
+              <a:spcBef>
+                <a:spcPct val="20000"/>
+              </a:spcBef>
+              <a:buClr>
+                <a:srgbClr val="A20000"/>
+              </a:buClr>
+              <a:buSzPct val="100000"/>
+              <a:buFont typeface="Wingdings" pitchFamily="2" charset="2"/>
+              <a:buChar char="ú"/>
+            </a:pPr>
+            <a:endParaRPr lang="en-US" altLang="ko-KR" sz="1600" dirty="0"/>
+          </a:p>
+          <a:p>
+            <a:pPr marL="1188000" lvl="3" indent="-228600" algn="just" fontAlgn="t">
+              <a:spcBef>
+                <a:spcPct val="20000"/>
+              </a:spcBef>
+              <a:buClr>
+                <a:srgbClr val="A20000"/>
+              </a:buClr>
+              <a:buSzPct val="100000"/>
+              <a:buFont typeface="Wingdings" pitchFamily="2" charset="2"/>
+              <a:buChar char="ú"/>
+            </a:pPr>
+            <a:endParaRPr lang="en-US" altLang="ko-KR" sz="1600" dirty="0" smtClean="0"/>
+          </a:p>
+          <a:p>
+            <a:pPr marL="1188000" lvl="3" indent="-228600" algn="just" fontAlgn="t">
+              <a:spcBef>
+                <a:spcPct val="20000"/>
+              </a:spcBef>
+              <a:buClr>
+                <a:srgbClr val="A20000"/>
+              </a:buClr>
+              <a:buSzPct val="100000"/>
+              <a:buFont typeface="Wingdings" pitchFamily="2" charset="2"/>
+              <a:buChar char="ú"/>
+            </a:pPr>
+            <a:endParaRPr lang="en-US" altLang="ko-KR" sz="1600" dirty="0"/>
+          </a:p>
+          <a:p>
+            <a:pPr marL="1188000" lvl="3" indent="-228600" algn="just" fontAlgn="t">
+              <a:spcBef>
+                <a:spcPct val="20000"/>
+              </a:spcBef>
+              <a:buClr>
+                <a:srgbClr val="A20000"/>
+              </a:buClr>
+              <a:buSzPct val="100000"/>
+              <a:buFont typeface="Wingdings" pitchFamily="2" charset="2"/>
+              <a:buChar char="ú"/>
+            </a:pPr>
+            <a:endParaRPr lang="en-US" altLang="ko-KR" sz="1600" dirty="0" smtClean="0"/>
+          </a:p>
+          <a:p>
+            <a:pPr marL="1188000" lvl="3" indent="-228600" algn="just" fontAlgn="t">
+              <a:spcBef>
+                <a:spcPct val="20000"/>
+              </a:spcBef>
+              <a:buClr>
+                <a:srgbClr val="A20000"/>
+              </a:buClr>
+              <a:buSzPct val="100000"/>
+              <a:buFont typeface="Wingdings" pitchFamily="2" charset="2"/>
+              <a:buChar char="ú"/>
+            </a:pPr>
+            <a:endParaRPr lang="en-US" altLang="ko-KR" sz="1600" dirty="0"/>
+          </a:p>
+          <a:p>
+            <a:pPr marL="1188000" lvl="3" indent="-228600" algn="r" fontAlgn="t">
+              <a:spcBef>
+                <a:spcPct val="20000"/>
+              </a:spcBef>
+              <a:buClr>
+                <a:srgbClr val="A20000"/>
+              </a:buClr>
+              <a:buSzPct val="100000"/>
+              <a:buFont typeface="Wingdings" pitchFamily="2" charset="2"/>
+              <a:buChar char="ú"/>
+            </a:pPr>
+            <a:endParaRPr lang="en-US" altLang="ko-KR" sz="1100" dirty="0" smtClean="0"/>
+          </a:p>
+          <a:p>
+            <a:pPr marL="959400" lvl="3" algn="r" fontAlgn="t">
+              <a:spcBef>
+                <a:spcPct val="20000"/>
+              </a:spcBef>
+              <a:buClr>
+                <a:srgbClr val="A20000"/>
+              </a:buClr>
+              <a:buSzPct val="100000"/>
+            </a:pPr>
+            <a:r>
+              <a:rPr lang="en-US" altLang="ko-KR" sz="1000" dirty="0"/>
+              <a:t>&lt; Dynamic bandwidth provisioning using ARIMA-based traffic forecasting for Mobile WiMAX, </a:t>
+            </a:r>
+            <a:r>
+              <a:rPr lang="en-US" altLang="ko-KR" sz="1000" dirty="0" smtClean="0"/>
+              <a:t>2011 Computer Communication &gt;</a:t>
+            </a:r>
+            <a:endParaRPr lang="en-US" altLang="ko-KR" sz="1000" dirty="0"/>
+          </a:p>
+          <a:p>
+            <a:pPr marL="1188000" lvl="3" indent="-228600" algn="just" fontAlgn="t">
+              <a:spcBef>
+                <a:spcPct val="20000"/>
+              </a:spcBef>
+              <a:buClr>
+                <a:srgbClr val="A20000"/>
+              </a:buClr>
+              <a:buSzPct val="100000"/>
+              <a:buFont typeface="Wingdings" pitchFamily="2" charset="2"/>
+              <a:buChar char="ú"/>
+            </a:pPr>
+            <a:endParaRPr lang="en-US" altLang="ko-KR" sz="1600" dirty="0" smtClean="0"/>
+          </a:p>
         </p:txBody>
       </p:sp>
+      <p:pic>
+        <p:nvPicPr>
+          <p:cNvPr id="2" name="그림 1"/>
+          <p:cNvPicPr>
+            <a:picLocks noChangeAspect="1"/>
+          </p:cNvPicPr>
+          <p:nvPr/>
+        </p:nvPicPr>
+        <p:blipFill>
+          <a:blip r:embed="rId3"/>
+          <a:stretch>
+            <a:fillRect/>
+          </a:stretch>
+        </p:blipFill>
+        <p:spPr>
+          <a:xfrm>
+            <a:off x="1794644" y="4005064"/>
+            <a:ext cx="5616624" cy="1943451"/>
+          </a:xfrm>
+          <a:prstGeom prst="rect">
+            <a:avLst/>
+          </a:prstGeom>
+        </p:spPr>
+      </p:pic>
     </p:spTree>
     <p:extLst>
       <p:ext uri="{BB962C8B-B14F-4D97-AF65-F5344CB8AC3E}">
@@ -10031,8 +10197,8 @@
           </a:p>
         </p:txBody>
       </p:sp>
-      <mc:AlternateContent xmlns:mc="http://schemas.openxmlformats.org/markup-compatibility/2006" xmlns:a14="http://schemas.microsoft.com/office/drawing/2010/main">
-        <mc:Choice Requires="a14">
+      <mc:AlternateContent xmlns:mc="http://schemas.openxmlformats.org/markup-compatibility/2006">
+        <mc:Choice xmlns:a14="http://schemas.microsoft.com/office/drawing/2010/main" Requires="a14">
           <p:sp>
             <p:nvSpPr>
               <p:cNvPr id="3" name="직사각형 2"/>
@@ -10042,7 +10208,7 @@
             <p:spPr>
               <a:xfrm>
                 <a:off x="395535" y="1135063"/>
-                <a:ext cx="4032449" cy="5005345"/>
+                <a:ext cx="4032449" cy="5068054"/>
               </a:xfrm>
               <a:prstGeom prst="rect">
                 <a:avLst/>
@@ -10482,7 +10648,7 @@
                     <m:f>
                       <m:fPr>
                         <m:ctrlPr>
-                          <a:rPr lang="en-US" altLang="ko-KR" sz="2000" i="1" kern="0">
+                          <a:rPr lang="en-US" altLang="ko-KR" sz="2000" i="1" kern="0" smtClean="0">
                             <a:solidFill>
                               <a:srgbClr val="000000"/>
                             </a:solidFill>
@@ -10496,27 +10662,27 @@
                         <m:sSub>
                           <m:sSubPr>
                             <m:ctrlPr>
-                              <a:rPr lang="en-US" altLang="ko-KR" sz="2000" i="1" kern="0">
+                              <a:rPr lang="en-US" altLang="ko-KR" sz="2000" i="1" kern="0" smtClean="0">
                                 <a:solidFill>
                                   <a:srgbClr val="000000"/>
                                 </a:solidFill>
                                 <a:latin typeface="Cambria Math"/>
-                                <a:ea typeface="Cambria Math"/>
+                                <a:ea typeface="굴림"/>
                                 <a:cs typeface="Tahoma" panose="020B0604030504040204" pitchFamily="34" charset="0"/>
                               </a:rPr>
                             </m:ctrlPr>
                           </m:sSubPr>
                           <m:e>
                             <m:r>
-                              <a:rPr lang="en-US" altLang="ko-KR" sz="2000" i="1" kern="0">
+                              <a:rPr lang="en-US" altLang="ko-KR" sz="2000" b="0" i="1" kern="0" smtClean="0">
                                 <a:solidFill>
                                   <a:srgbClr val="000000"/>
                                 </a:solidFill>
                                 <a:latin typeface="Cambria Math"/>
-                                <a:ea typeface="Cambria Math"/>
+                                <a:ea typeface="굴림"/>
                                 <a:cs typeface="Tahoma" panose="020B0604030504040204" pitchFamily="34" charset="0"/>
                               </a:rPr>
-                              <m:t>𝑠</m:t>
+                              <m:t>𝑏</m:t>
                             </m:r>
                           </m:e>
                           <m:sub>
@@ -10526,7 +10692,7 @@
                                   <a:srgbClr val="000000"/>
                                 </a:solidFill>
                                 <a:latin typeface="Cambria Math"/>
-                                <a:ea typeface="Cambria Math"/>
+                                <a:ea typeface="굴림"/>
                                 <a:cs typeface="Tahoma" panose="020B0604030504040204" pitchFamily="34" charset="0"/>
                               </a:rPr>
                               <m:t>𝑖</m:t>
@@ -10543,19 +10709,19 @@
                                   <a:srgbClr val="000000"/>
                                 </a:solidFill>
                                 <a:latin typeface="Cambria Math"/>
-                                <a:ea typeface="굴림"/>
+                                <a:ea typeface="Cambria Math"/>
                                 <a:cs typeface="Tahoma" panose="020B0604030504040204" pitchFamily="34" charset="0"/>
                               </a:rPr>
                             </m:ctrlPr>
                           </m:sSubSupPr>
                           <m:e>
                             <m:r>
-                              <a:rPr lang="en-US" altLang="ko-KR" sz="2000" i="1" kern="0">
+                              <a:rPr lang="en-US" altLang="ko-KR" sz="2000" b="0" i="1" kern="0" smtClean="0">
                                 <a:solidFill>
                                   <a:srgbClr val="000000"/>
                                 </a:solidFill>
-                                <a:latin typeface="Cambria Math" panose="02040503050406030204" pitchFamily="18" charset="0"/>
-                                <a:ea typeface="굴림"/>
+                                <a:latin typeface="Cambria Math"/>
+                                <a:ea typeface="Cambria Math"/>
                                 <a:cs typeface="Tahoma" panose="020B0604030504040204" pitchFamily="34" charset="0"/>
                               </a:rPr>
                               <m:t>𝑡</m:t>
@@ -10568,7 +10734,7 @@
                                   <a:srgbClr val="000000"/>
                                 </a:solidFill>
                                 <a:latin typeface="Cambria Math" panose="02040503050406030204" pitchFamily="18" charset="0"/>
-                                <a:ea typeface="굴림"/>
+                                <a:ea typeface="Cambria Math"/>
                                 <a:cs typeface="Tahoma" panose="020B0604030504040204" pitchFamily="34" charset="0"/>
                               </a:rPr>
                               <m:t>𝑖</m:t>
@@ -10580,8 +10746,8 @@
                                 <a:solidFill>
                                   <a:srgbClr val="000000"/>
                                 </a:solidFill>
-                                <a:latin typeface="Cambria Math"/>
-                                <a:ea typeface="굴림"/>
+                                <a:latin typeface="Cambria Math" panose="02040503050406030204" pitchFamily="18" charset="0"/>
+                                <a:ea typeface="Cambria Math"/>
                                 <a:cs typeface="Tahoma" panose="020B0604030504040204" pitchFamily="34" charset="0"/>
                               </a:rPr>
                               <m:t>𝑝𝑙𝑎𝑦</m:t>
@@ -10866,6 +11032,48 @@
                               </m:sSubPr>
                               <m:e>
                                 <m:r>
+                                  <a:rPr lang="en-US" altLang="ko-KR" sz="2000" b="0" i="1" kern="0" smtClean="0">
+                                    <a:solidFill>
+                                      <a:srgbClr val="000000"/>
+                                    </a:solidFill>
+                                    <a:latin typeface="Cambria Math"/>
+                                    <a:ea typeface="굴림"/>
+                                    <a:cs typeface="Tahoma" panose="020B0604030504040204" pitchFamily="34" charset="0"/>
+                                  </a:rPr>
+                                  <m:t>𝑠</m:t>
+                                </m:r>
+                              </m:e>
+                              <m:sub>
+                                <m:r>
+                                  <a:rPr lang="en-US" altLang="ko-KR" sz="2000" i="1" kern="0">
+                                    <a:solidFill>
+                                      <a:srgbClr val="000000"/>
+                                    </a:solidFill>
+                                    <a:latin typeface="Cambria Math"/>
+                                    <a:ea typeface="굴림"/>
+                                    <a:cs typeface="Tahoma" panose="020B0604030504040204" pitchFamily="34" charset="0"/>
+                                  </a:rPr>
+                                  <m:t>𝑖</m:t>
+                                </m:r>
+                              </m:sub>
+                            </m:sSub>
+                          </m:num>
+                          <m:den>
+                            <m:sSub>
+                              <m:sSubPr>
+                                <m:ctrlPr>
+                                  <a:rPr lang="en-US" altLang="ko-KR" sz="2000" i="1" kern="0">
+                                    <a:solidFill>
+                                      <a:srgbClr val="000000"/>
+                                    </a:solidFill>
+                                    <a:latin typeface="Cambria Math"/>
+                                    <a:ea typeface="굴림"/>
+                                    <a:cs typeface="Tahoma" panose="020B0604030504040204" pitchFamily="34" charset="0"/>
+                                  </a:rPr>
+                                </m:ctrlPr>
+                              </m:sSubPr>
+                              <m:e>
+                                <m:r>
                                   <a:rPr lang="en-US" altLang="ko-KR" sz="2000" i="1" kern="0">
                                     <a:solidFill>
                                       <a:srgbClr val="000000"/>
@@ -10891,114 +11099,8 @@
                                 </m:r>
                               </m:sub>
                             </m:sSub>
-                          </m:num>
-                          <m:den>
-                            <m:sSubSup>
-                              <m:sSubSupPr>
-                                <m:ctrlPr>
-                                  <a:rPr lang="en-US" altLang="ko-KR" sz="2000" i="1" kern="0">
-                                    <a:solidFill>
-                                      <a:srgbClr val="000000"/>
-                                    </a:solidFill>
-                                    <a:latin typeface="Cambria Math"/>
-                                    <a:ea typeface="굴림"/>
-                                    <a:cs typeface="Tahoma" panose="020B0604030504040204" pitchFamily="34" charset="0"/>
-                                  </a:rPr>
-                                </m:ctrlPr>
-                              </m:sSubSupPr>
-                              <m:e>
-                                <m:r>
-                                  <a:rPr lang="en-US" altLang="ko-KR" sz="2000" i="1" kern="0">
-                                    <a:solidFill>
-                                      <a:srgbClr val="000000"/>
-                                    </a:solidFill>
-                                    <a:latin typeface="Cambria Math" panose="02040503050406030204" pitchFamily="18" charset="0"/>
-                                    <a:ea typeface="굴림"/>
-                                    <a:cs typeface="Tahoma" panose="020B0604030504040204" pitchFamily="34" charset="0"/>
-                                  </a:rPr>
-                                  <m:t>𝑏𝑤</m:t>
-                                </m:r>
-                              </m:e>
-                              <m:sub>
-                                <m:r>
-                                  <a:rPr lang="en-US" altLang="ko-KR" sz="2000" i="1" kern="0">
-                                    <a:solidFill>
-                                      <a:srgbClr val="000000"/>
-                                    </a:solidFill>
-                                    <a:latin typeface="Cambria Math" panose="02040503050406030204" pitchFamily="18" charset="0"/>
-                                    <a:ea typeface="굴림"/>
-                                    <a:cs typeface="Tahoma" panose="020B0604030504040204" pitchFamily="34" charset="0"/>
-                                  </a:rPr>
-                                  <m:t>𝑖</m:t>
-                                </m:r>
-                              </m:sub>
-                              <m:sup>
-                                <m:r>
-                                  <a:rPr lang="en-US" altLang="ko-KR" sz="2000" i="1" kern="0">
-                                    <a:solidFill>
-                                      <a:srgbClr val="000000"/>
-                                    </a:solidFill>
-                                    <a:latin typeface="Cambria Math" panose="02040503050406030204" pitchFamily="18" charset="0"/>
-                                    <a:ea typeface="굴림"/>
-                                    <a:cs typeface="Tahoma" panose="020B0604030504040204" pitchFamily="34" charset="0"/>
-                                  </a:rPr>
-                                  <m:t>𝑎𝑣𝑎𝑖𝑙</m:t>
-                                </m:r>
-                              </m:sup>
-                            </m:sSubSup>
                           </m:den>
                         </m:f>
-                        <m:r>
-                          <a:rPr lang="en-US" altLang="ko-KR" sz="2000" i="1" kern="0">
-                            <a:solidFill>
-                              <a:srgbClr val="000000"/>
-                            </a:solidFill>
-                            <a:latin typeface="Cambria Math"/>
-                            <a:ea typeface="Cambria Math"/>
-                            <a:cs typeface="Tahoma" panose="020B0604030504040204" pitchFamily="34" charset="0"/>
-                          </a:rPr>
-                          <m:t>∙</m:t>
-                        </m:r>
-                        <m:sSub>
-                          <m:sSubPr>
-                            <m:ctrlPr>
-                              <a:rPr lang="en-US" altLang="ko-KR" sz="2000" i="1" kern="0">
-                                <a:solidFill>
-                                  <a:srgbClr val="000000"/>
-                                </a:solidFill>
-                                <a:latin typeface="Cambria Math"/>
-                                <a:ea typeface="Cambria Math"/>
-                                <a:cs typeface="Tahoma" panose="020B0604030504040204" pitchFamily="34" charset="0"/>
-                              </a:rPr>
-                            </m:ctrlPr>
-                          </m:sSubPr>
-                          <m:e>
-                            <m:r>
-                              <a:rPr lang="en-US" altLang="ko-KR" sz="2000" i="1" kern="0">
-                                <a:solidFill>
-                                  <a:srgbClr val="000000"/>
-                                </a:solidFill>
-                                <a:latin typeface="Cambria Math"/>
-                                <a:ea typeface="Cambria Math"/>
-                                <a:cs typeface="Tahoma" panose="020B0604030504040204" pitchFamily="34" charset="0"/>
-                              </a:rPr>
-                              <m:t>𝑇</m:t>
-                            </m:r>
-                          </m:e>
-                          <m:sub>
-                            <m:r>
-                              <a:rPr lang="en-US" altLang="ko-KR" sz="2000" i="1" kern="0">
-                                <a:solidFill>
-                                  <a:srgbClr val="000000"/>
-                                </a:solidFill>
-                                <a:latin typeface="Cambria Math"/>
-                                <a:ea typeface="Cambria Math"/>
-                                <a:cs typeface="Tahoma" panose="020B0604030504040204" pitchFamily="34" charset="0"/>
-                              </a:rPr>
-                              <m:t>𝑠𝑒𝑔</m:t>
-                            </m:r>
-                          </m:sub>
-                        </m:sSub>
                         <m:r>
                           <a:rPr lang="en-US" altLang="ko-KR" sz="2000" i="1" kern="0">
                             <a:solidFill>
@@ -11107,7 +11209,7 @@
             </p:txBody>
           </p:sp>
         </mc:Choice>
-        <mc:Fallback xmlns="">
+        <mc:Fallback>
           <p:sp>
             <p:nvSpPr>
               <p:cNvPr id="3" name="직사각형 2"/>
@@ -11119,7 +11221,7 @@
             <p:spPr>
               <a:xfrm>
                 <a:off x="395535" y="1135063"/>
-                <a:ext cx="4032449" cy="5005345"/>
+                <a:ext cx="4032449" cy="5068054"/>
               </a:xfrm>
               <a:prstGeom prst="rect">
                 <a:avLst/>
@@ -11127,7 +11229,7 @@
               <a:blipFill rotWithShape="1">
                 <a:blip r:embed="rId3"/>
                 <a:stretch>
-                  <a:fillRect l="-2118" t="-974"/>
+                  <a:fillRect l="-2118" t="-962"/>
                 </a:stretch>
               </a:blipFill>
             </p:spPr>
@@ -11146,8 +11248,8 @@
           </p:sp>
         </mc:Fallback>
       </mc:AlternateContent>
-      <mc:AlternateContent xmlns:mc="http://schemas.openxmlformats.org/markup-compatibility/2006" xmlns:a14="http://schemas.microsoft.com/office/drawing/2010/main">
-        <mc:Choice Requires="a14">
+      <mc:AlternateContent xmlns:mc="http://schemas.openxmlformats.org/markup-compatibility/2006">
+        <mc:Choice xmlns:a14="http://schemas.microsoft.com/office/drawing/2010/main" Requires="a14">
           <p:graphicFrame>
             <p:nvGraphicFramePr>
               <p:cNvPr id="4" name="표 3"/>
@@ -11157,14 +11259,14 @@
               <p:nvPr>
                 <p:extLst>
                   <p:ext uri="{D42A27DB-BD31-4B8C-83A1-F6EECF244321}">
-                    <p14:modId xmlns:p14="http://schemas.microsoft.com/office/powerpoint/2010/main" val="3084025834"/>
+                    <p14:modId xmlns:p14="http://schemas.microsoft.com/office/powerpoint/2010/main" val="1402518241"/>
                   </p:ext>
                 </p:extLst>
               </p:nvPr>
             </p:nvGraphicFramePr>
             <p:xfrm>
-              <a:off x="3995936" y="1628800"/>
-              <a:ext cx="4578301" cy="3337560"/>
+              <a:off x="3779912" y="1628800"/>
+              <a:ext cx="5148064" cy="4079240"/>
             </p:xfrm>
             <a:graphic>
               <a:graphicData uri="http://schemas.openxmlformats.org/drawingml/2006/table">
@@ -11173,17 +11275,17 @@
                     <a:tableStyleId>{5C22544A-7EE6-4342-B048-85BDC9FD1C3A}</a:tableStyleId>
                   </a:tblPr>
                   <a:tblGrid>
-                    <a:gridCol w="1715735">
+                    <a:gridCol w="1929256">
                       <a:extLst>
                         <a:ext uri="{9D8B030D-6E8A-4147-A177-3AD203B41FA5}">
-                          <a16:colId xmlns="" xmlns:a16="http://schemas.microsoft.com/office/drawing/2014/main" val="20000"/>
+                          <a16:colId xmlns:a16="http://schemas.microsoft.com/office/drawing/2014/main" xmlns="" val="20000"/>
                         </a:ext>
                       </a:extLst>
                     </a:gridCol>
-                    <a:gridCol w="2862566">
+                    <a:gridCol w="3218808">
                       <a:extLst>
                         <a:ext uri="{9D8B030D-6E8A-4147-A177-3AD203B41FA5}">
-                          <a16:colId xmlns="" xmlns:a16="http://schemas.microsoft.com/office/drawing/2014/main" val="20001"/>
+                          <a16:colId xmlns:a16="http://schemas.microsoft.com/office/drawing/2014/main" xmlns="" val="20001"/>
                         </a:ext>
                       </a:extLst>
                     </a:gridCol>
@@ -11229,7 +11331,7 @@
                     </a:tc>
                     <a:extLst>
                       <a:ext uri="{0D108BD9-81ED-4DB2-BD59-A6C34878D82A}">
-                        <a16:rowId xmlns="" xmlns:a16="http://schemas.microsoft.com/office/drawing/2014/main" val="10000"/>
+                        <a16:rowId xmlns:a16="http://schemas.microsoft.com/office/drawing/2014/main" xmlns="" val="10000"/>
                       </a:ext>
                     </a:extLst>
                   </a:tr>
@@ -11282,484 +11384,7 @@
                     </a:tc>
                     <a:extLst>
                       <a:ext uri="{0D108BD9-81ED-4DB2-BD59-A6C34878D82A}">
-                        <a16:rowId xmlns="" xmlns:a16="http://schemas.microsoft.com/office/drawing/2014/main" val="10001"/>
-                      </a:ext>
-                    </a:extLst>
-                  </a:tr>
-                  <a:tr h="370840">
-                    <a:tc>
-                      <a:txBody>
-                        <a:bodyPr/>
-                        <a:lstStyle/>
-                        <a:p>
-                          <a:pPr algn="ctr" latinLnBrk="1"/>
-                          <a14:m>
-                            <m:oMathPara xmlns:m="http://schemas.openxmlformats.org/officeDocument/2006/math">
-                              <m:oMathParaPr>
-                                <m:jc m:val="centerGroup"/>
-                              </m:oMathParaPr>
-                              <m:oMath xmlns:m="http://schemas.openxmlformats.org/officeDocument/2006/math">
-                                <m:sSub>
-                                  <m:sSubPr>
-                                    <m:ctrlPr>
-                                      <a:rPr lang="en-US" altLang="ko-KR" sz="1400" i="1" smtClean="0">
-                                        <a:solidFill>
-                                          <a:schemeClr val="tx1"/>
-                                        </a:solidFill>
-                                        <a:latin typeface="Cambria Math"/>
-                                      </a:rPr>
-                                    </m:ctrlPr>
-                                  </m:sSubPr>
-                                  <m:e>
-                                    <m:r>
-                                      <a:rPr lang="en-US" altLang="ko-KR" sz="1400" b="0" i="1" smtClean="0">
-                                        <a:solidFill>
-                                          <a:schemeClr val="tx1"/>
-                                        </a:solidFill>
-                                        <a:latin typeface="Cambria Math"/>
-                                      </a:rPr>
-                                      <m:t>𝑠</m:t>
-                                    </m:r>
-                                  </m:e>
-                                  <m:sub>
-                                    <m:r>
-                                      <a:rPr lang="en-US" altLang="ko-KR" sz="1400" b="0" i="1" smtClean="0">
-                                        <a:solidFill>
-                                          <a:schemeClr val="tx1"/>
-                                        </a:solidFill>
-                                        <a:latin typeface="Cambria Math"/>
-                                      </a:rPr>
-                                      <m:t>𝑖</m:t>
-                                    </m:r>
-                                  </m:sub>
-                                </m:sSub>
-                              </m:oMath>
-                            </m:oMathPara>
-                          </a14:m>
-                          <a:endParaRPr lang="ko-KR" altLang="en-US" sz="1400" dirty="0">
-                            <a:solidFill>
-                              <a:schemeClr val="tx1"/>
-                            </a:solidFill>
-                          </a:endParaRPr>
-                        </a:p>
-                      </a:txBody>
-                      <a:tcPr>
-                        <a:solidFill>
-                          <a:schemeClr val="bg1"/>
-                        </a:solidFill>
-                      </a:tcPr>
-                    </a:tc>
-                    <a:tc>
-                      <a:txBody>
-                        <a:bodyPr/>
-                        <a:lstStyle/>
-                        <a:p>
-                          <a:pPr algn="ctr" latinLnBrk="1"/>
-                          <a:r>
-                            <a:rPr lang="en-US" altLang="ko-KR" sz="1400" dirty="0" smtClean="0"/>
-                            <a:t>Total</a:t>
-                          </a:r>
-                          <a:r>
-                            <a:rPr lang="en-US" altLang="ko-KR" sz="1400" baseline="0" dirty="0" smtClean="0"/>
-                            <a:t> received Bytes at </a:t>
-                          </a:r>
-                          <a14:m>
-                            <m:oMath xmlns:m="http://schemas.openxmlformats.org/officeDocument/2006/math">
-                              <m:sSub>
-                                <m:sSubPr>
-                                  <m:ctrlPr>
-                                    <a:rPr lang="en-US" altLang="ko-KR" sz="1400" i="1" baseline="0" smtClean="0">
-                                      <a:latin typeface="Cambria Math"/>
-                                    </a:rPr>
-                                  </m:ctrlPr>
-                                </m:sSubPr>
-                                <m:e>
-                                  <m:r>
-                                    <a:rPr lang="en-US" altLang="ko-KR" sz="1400" b="0" i="1" baseline="0" smtClean="0">
-                                      <a:latin typeface="Cambria Math"/>
-                                    </a:rPr>
-                                    <m:t>𝑈𝐸</m:t>
-                                  </m:r>
-                                </m:e>
-                                <m:sub>
-                                  <m:r>
-                                    <a:rPr lang="en-US" altLang="ko-KR" sz="1400" b="0" i="1" baseline="0" smtClean="0">
-                                      <a:latin typeface="Cambria Math"/>
-                                    </a:rPr>
-                                    <m:t>𝑖</m:t>
-                                  </m:r>
-                                </m:sub>
-                              </m:sSub>
-                            </m:oMath>
-                          </a14:m>
-                          <a:endParaRPr lang="ko-KR" altLang="en-US" sz="1400" dirty="0"/>
-                        </a:p>
-                      </a:txBody>
-                      <a:tcPr>
-                        <a:solidFill>
-                          <a:schemeClr val="bg1"/>
-                        </a:solidFill>
-                      </a:tcPr>
-                    </a:tc>
-                    <a:extLst>
-                      <a:ext uri="{0D108BD9-81ED-4DB2-BD59-A6C34878D82A}">
-                        <a16:rowId xmlns="" xmlns:a16="http://schemas.microsoft.com/office/drawing/2014/main" val="10004"/>
-                      </a:ext>
-                    </a:extLst>
-                  </a:tr>
-                  <a:tr h="370840">
-                    <a:tc>
-                      <a:txBody>
-                        <a:bodyPr/>
-                        <a:lstStyle/>
-                        <a:p>
-                          <a:pPr algn="ctr" latinLnBrk="1"/>
-                          <a14:m>
-                            <m:oMathPara xmlns:m="http://schemas.openxmlformats.org/officeDocument/2006/math">
-                              <m:oMathParaPr>
-                                <m:jc m:val="centerGroup"/>
-                              </m:oMathParaPr>
-                              <m:oMath xmlns:m="http://schemas.openxmlformats.org/officeDocument/2006/math">
-                                <m:sSubSup>
-                                  <m:sSubSupPr>
-                                    <m:ctrlPr>
-                                      <a:rPr lang="en-US" altLang="ko-KR" sz="1400" i="1" kern="0" smtClean="0">
-                                        <a:solidFill>
-                                          <a:srgbClr val="000000"/>
-                                        </a:solidFill>
-                                        <a:latin typeface="Cambria Math"/>
-                                        <a:ea typeface="+mn-ea"/>
-                                        <a:cs typeface="Tahoma" panose="020B0604030504040204" pitchFamily="34" charset="0"/>
-                                      </a:rPr>
-                                    </m:ctrlPr>
-                                  </m:sSubSupPr>
-                                  <m:e>
-                                    <m:r>
-                                      <a:rPr lang="en-US" altLang="ko-KR" sz="1400" b="0" i="1" kern="0" smtClean="0">
-                                        <a:solidFill>
-                                          <a:srgbClr val="000000"/>
-                                        </a:solidFill>
-                                        <a:latin typeface="Cambria Math"/>
-                                        <a:ea typeface="+mn-ea"/>
-                                        <a:cs typeface="Tahoma" panose="020B0604030504040204" pitchFamily="34" charset="0"/>
-                                      </a:rPr>
-                                      <m:t>𝑡</m:t>
-                                    </m:r>
-                                  </m:e>
-                                  <m:sub>
-                                    <m:r>
-                                      <a:rPr lang="en-US" altLang="ko-KR" sz="1400" i="1" kern="0">
-                                        <a:solidFill>
-                                          <a:srgbClr val="000000"/>
-                                        </a:solidFill>
-                                        <a:latin typeface="Cambria Math" panose="02040503050406030204" pitchFamily="18" charset="0"/>
-                                        <a:ea typeface="+mn-ea"/>
-                                        <a:cs typeface="Tahoma" panose="020B0604030504040204" pitchFamily="34" charset="0"/>
-                                      </a:rPr>
-                                      <m:t>𝑖</m:t>
-                                    </m:r>
-                                  </m:sub>
-                                  <m:sup>
-                                    <m:r>
-                                      <a:rPr lang="en-US" altLang="ko-KR" sz="1400" b="0" i="1" kern="0" smtClean="0">
-                                        <a:solidFill>
-                                          <a:srgbClr val="000000"/>
-                                        </a:solidFill>
-                                        <a:latin typeface="Cambria Math"/>
-                                        <a:ea typeface="+mn-ea"/>
-                                        <a:cs typeface="Tahoma" panose="020B0604030504040204" pitchFamily="34" charset="0"/>
-                                      </a:rPr>
-                                      <m:t>𝑝𝑙𝑎𝑦</m:t>
-                                    </m:r>
-                                  </m:sup>
-                                </m:sSubSup>
-                              </m:oMath>
-                            </m:oMathPara>
-                          </a14:m>
-                          <a:endParaRPr lang="ko-KR" altLang="en-US" sz="1400" dirty="0">
-                            <a:solidFill>
-                              <a:schemeClr val="tx1"/>
-                            </a:solidFill>
-                          </a:endParaRPr>
-                        </a:p>
-                      </a:txBody>
-                      <a:tcPr>
-                        <a:solidFill>
-                          <a:schemeClr val="bg1"/>
-                        </a:solidFill>
-                      </a:tcPr>
-                    </a:tc>
-                    <a:tc>
-                      <a:txBody>
-                        <a:bodyPr/>
-                        <a:lstStyle/>
-                        <a:p>
-                          <a:pPr algn="ctr" latinLnBrk="1"/>
-                          <a:r>
-                            <a:rPr lang="en-US" altLang="ko-KR" sz="1400" dirty="0" smtClean="0"/>
-                            <a:t>Pl</a:t>
-                          </a:r>
-                          <a:r>
-                            <a:rPr lang="en-US" altLang="ko-KR" sz="1400" baseline="0" dirty="0" smtClean="0"/>
-                            <a:t>ayback Time</a:t>
-                          </a:r>
-                          <a:r>
-                            <a:rPr lang="en-US" altLang="ko-KR" sz="1400" dirty="0" smtClean="0"/>
-                            <a:t> at </a:t>
-                          </a:r>
-                          <a14:m>
-                            <m:oMath xmlns:m="http://schemas.openxmlformats.org/officeDocument/2006/math">
-                              <m:sSub>
-                                <m:sSubPr>
-                                  <m:ctrlPr>
-                                    <a:rPr lang="en-US" altLang="ko-KR" sz="1400" i="1" baseline="0" smtClean="0">
-                                      <a:latin typeface="Cambria Math"/>
-                                    </a:rPr>
-                                  </m:ctrlPr>
-                                </m:sSubPr>
-                                <m:e>
-                                  <m:r>
-                                    <a:rPr lang="en-US" altLang="ko-KR" sz="1400" b="0" i="1" baseline="0" smtClean="0">
-                                      <a:latin typeface="Cambria Math"/>
-                                    </a:rPr>
-                                    <m:t>𝑈𝐸</m:t>
-                                  </m:r>
-                                </m:e>
-                                <m:sub>
-                                  <m:r>
-                                    <a:rPr lang="en-US" altLang="ko-KR" sz="1400" b="0" i="1" baseline="0" smtClean="0">
-                                      <a:latin typeface="Cambria Math"/>
-                                    </a:rPr>
-                                    <m:t>𝑖</m:t>
-                                  </m:r>
-                                </m:sub>
-                              </m:sSub>
-                            </m:oMath>
-                          </a14:m>
-                          <a:endParaRPr lang="ko-KR" altLang="en-US" sz="1400" dirty="0"/>
-                        </a:p>
-                      </a:txBody>
-                      <a:tcPr>
-                        <a:solidFill>
-                          <a:schemeClr val="bg1"/>
-                        </a:solidFill>
-                      </a:tcPr>
-                    </a:tc>
-                  </a:tr>
-                  <a:tr h="370840">
-                    <a:tc>
-                      <a:txBody>
-                        <a:bodyPr/>
-                        <a:lstStyle/>
-                        <a:p>
-                          <a:pPr algn="ctr" latinLnBrk="1"/>
-                          <a14:m>
-                            <m:oMathPara xmlns:m="http://schemas.openxmlformats.org/officeDocument/2006/math">
-                              <m:oMathParaPr>
-                                <m:jc m:val="centerGroup"/>
-                              </m:oMathParaPr>
-                              <m:oMath xmlns:m="http://schemas.openxmlformats.org/officeDocument/2006/math">
-                                <m:sSubSup>
-                                  <m:sSubSupPr>
-                                    <m:ctrlPr>
-                                      <a:rPr lang="en-US" altLang="ko-KR" sz="1400" i="1" kern="0" smtClean="0">
-                                        <a:solidFill>
-                                          <a:srgbClr val="000000"/>
-                                        </a:solidFill>
-                                        <a:latin typeface="Cambria Math"/>
-                                        <a:ea typeface="+mn-ea"/>
-                                        <a:cs typeface="Tahoma" panose="020B0604030504040204" pitchFamily="34" charset="0"/>
-                                      </a:rPr>
-                                    </m:ctrlPr>
-                                  </m:sSubSupPr>
-                                  <m:e>
-                                    <m:r>
-                                      <a:rPr lang="en-US" altLang="ko-KR" sz="1400" i="1" kern="0">
-                                        <a:solidFill>
-                                          <a:srgbClr val="000000"/>
-                                        </a:solidFill>
-                                        <a:latin typeface="Cambria Math" panose="02040503050406030204" pitchFamily="18" charset="0"/>
-                                        <a:ea typeface="+mn-ea"/>
-                                        <a:cs typeface="Tahoma" panose="020B0604030504040204" pitchFamily="34" charset="0"/>
-                                      </a:rPr>
-                                      <m:t>𝑏𝑤</m:t>
-                                    </m:r>
-                                  </m:e>
-                                  <m:sub>
-                                    <m:r>
-                                      <a:rPr lang="en-US" altLang="ko-KR" sz="1400" i="1" kern="0">
-                                        <a:solidFill>
-                                          <a:srgbClr val="000000"/>
-                                        </a:solidFill>
-                                        <a:latin typeface="Cambria Math" panose="02040503050406030204" pitchFamily="18" charset="0"/>
-                                        <a:ea typeface="+mn-ea"/>
-                                        <a:cs typeface="Tahoma" panose="020B0604030504040204" pitchFamily="34" charset="0"/>
-                                      </a:rPr>
-                                      <m:t>𝑖</m:t>
-                                    </m:r>
-                                  </m:sub>
-                                  <m:sup>
-                                    <m:r>
-                                      <a:rPr lang="en-US" altLang="ko-KR" sz="1400" i="1" kern="0">
-                                        <a:solidFill>
-                                          <a:srgbClr val="000000"/>
-                                        </a:solidFill>
-                                        <a:latin typeface="Cambria Math" panose="02040503050406030204" pitchFamily="18" charset="0"/>
-                                        <a:ea typeface="+mn-ea"/>
-                                        <a:cs typeface="Tahoma" panose="020B0604030504040204" pitchFamily="34" charset="0"/>
-                                      </a:rPr>
-                                      <m:t>𝑎𝑣𝑎𝑖𝑙</m:t>
-                                    </m:r>
-                                  </m:sup>
-                                </m:sSubSup>
-                              </m:oMath>
-                            </m:oMathPara>
-                          </a14:m>
-                          <a:endParaRPr lang="ko-KR" altLang="en-US" sz="1400" dirty="0">
-                            <a:solidFill>
-                              <a:schemeClr val="tx1"/>
-                            </a:solidFill>
-                          </a:endParaRPr>
-                        </a:p>
-                      </a:txBody>
-                      <a:tcPr>
-                        <a:solidFill>
-                          <a:schemeClr val="bg1"/>
-                        </a:solidFill>
-                      </a:tcPr>
-                    </a:tc>
-                    <a:tc>
-                      <a:txBody>
-                        <a:bodyPr/>
-                        <a:lstStyle/>
-                        <a:p>
-                          <a:pPr algn="ctr" latinLnBrk="1"/>
-                          <a:r>
-                            <a:rPr lang="en-US" altLang="ko-KR" sz="1400" dirty="0" smtClean="0"/>
-                            <a:t>Available Bandwidth at </a:t>
-                          </a:r>
-                          <a14:m>
-                            <m:oMath xmlns:m="http://schemas.openxmlformats.org/officeDocument/2006/math">
-                              <m:sSub>
-                                <m:sSubPr>
-                                  <m:ctrlPr>
-                                    <a:rPr lang="en-US" altLang="ko-KR" sz="1400" i="1" baseline="0" smtClean="0">
-                                      <a:latin typeface="Cambria Math"/>
-                                    </a:rPr>
-                                  </m:ctrlPr>
-                                </m:sSubPr>
-                                <m:e>
-                                  <m:r>
-                                    <a:rPr lang="en-US" altLang="ko-KR" sz="1400" b="0" i="1" baseline="0" smtClean="0">
-                                      <a:latin typeface="Cambria Math"/>
-                                    </a:rPr>
-                                    <m:t>𝑈𝐸</m:t>
-                                  </m:r>
-                                </m:e>
-                                <m:sub>
-                                  <m:r>
-                                    <a:rPr lang="en-US" altLang="ko-KR" sz="1400" b="0" i="1" baseline="0" smtClean="0">
-                                      <a:latin typeface="Cambria Math"/>
-                                    </a:rPr>
-                                    <m:t>𝑖</m:t>
-                                  </m:r>
-                                </m:sub>
-                              </m:sSub>
-                            </m:oMath>
-                          </a14:m>
-                          <a:endParaRPr lang="ko-KR" altLang="en-US" sz="1400" dirty="0"/>
-                        </a:p>
-                      </a:txBody>
-                      <a:tcPr>
-                        <a:solidFill>
-                          <a:schemeClr val="bg1"/>
-                        </a:solidFill>
-                      </a:tcPr>
-                    </a:tc>
-                  </a:tr>
-                  <a:tr h="370840">
-                    <a:tc>
-                      <a:txBody>
-                        <a:bodyPr/>
-                        <a:lstStyle/>
-                        <a:p>
-                          <a:pPr algn="ctr" latinLnBrk="1"/>
-                          <a:r>
-                            <a:rPr lang="en-US" altLang="ko-KR" sz="1400" dirty="0" smtClean="0">
-                              <a:solidFill>
-                                <a:schemeClr val="tx1"/>
-                              </a:solidFill>
-                            </a:rPr>
-                            <a:t>j</a:t>
-                          </a:r>
-                          <a:endParaRPr lang="ko-KR" altLang="en-US" sz="1400" dirty="0">
-                            <a:solidFill>
-                              <a:schemeClr val="tx1"/>
-                            </a:solidFill>
-                          </a:endParaRPr>
-                        </a:p>
-                      </a:txBody>
-                      <a:tcPr>
-                        <a:solidFill>
-                          <a:schemeClr val="bg1"/>
-                        </a:solidFill>
-                      </a:tcPr>
-                    </a:tc>
-                    <a:tc>
-                      <a:txBody>
-                        <a:bodyPr/>
-                        <a:lstStyle/>
-                        <a:p>
-                          <a:pPr algn="ctr" latinLnBrk="1"/>
-                          <a:r>
-                            <a:rPr lang="en-US" altLang="ko-KR" sz="1400" dirty="0" smtClean="0"/>
-                            <a:t>Connectable</a:t>
-                          </a:r>
-                          <a:r>
-                            <a:rPr lang="en-US" altLang="ko-KR" sz="1400" baseline="0" dirty="0" smtClean="0"/>
-                            <a:t> AP at </a:t>
-                          </a:r>
-                          <a14:m>
-                            <m:oMath xmlns:m="http://schemas.openxmlformats.org/officeDocument/2006/math">
-                              <m:sSub>
-                                <m:sSubPr>
-                                  <m:ctrlPr>
-                                    <a:rPr lang="en-US" altLang="ko-KR" sz="1400" i="1" baseline="0" smtClean="0">
-                                      <a:latin typeface="Cambria Math"/>
-                                    </a:rPr>
-                                  </m:ctrlPr>
-                                </m:sSubPr>
-                                <m:e>
-                                  <m:r>
-                                    <a:rPr lang="en-US" altLang="ko-KR" sz="1400" b="0" i="1" baseline="0" smtClean="0">
-                                      <a:latin typeface="Cambria Math"/>
-                                    </a:rPr>
-                                    <m:t>𝑈𝐸</m:t>
-                                  </m:r>
-                                </m:e>
-                                <m:sub>
-                                  <m:r>
-                                    <a:rPr lang="en-US" altLang="ko-KR" sz="1400" b="0" i="1" baseline="0" smtClean="0">
-                                      <a:latin typeface="Cambria Math"/>
-                                    </a:rPr>
-                                    <m:t>𝑖</m:t>
-                                  </m:r>
-                                </m:sub>
-                              </m:sSub>
-                            </m:oMath>
-                          </a14:m>
-                          <a:endParaRPr lang="ko-KR" altLang="en-US" sz="1400" dirty="0"/>
-                        </a:p>
-                      </a:txBody>
-                      <a:tcPr>
-                        <a:solidFill>
-                          <a:schemeClr val="bg1"/>
-                        </a:solidFill>
-                      </a:tcPr>
-                    </a:tc>
-                    <a:extLst>
-                      <a:ext uri="{0D108BD9-81ED-4DB2-BD59-A6C34878D82A}">
-                        <a16:rowId xmlns="" xmlns:a16="http://schemas.microsoft.com/office/drawing/2014/main" val="10005"/>
+                        <a16:rowId xmlns:a16="http://schemas.microsoft.com/office/drawing/2014/main" xmlns="" val="10001"/>
                       </a:ext>
                     </a:extLst>
                   </a:tr>
@@ -12348,18 +11973,696 @@
                         </a:solidFill>
                       </a:tcPr>
                     </a:tc>
+                  </a:tr>
+                  <a:tr h="370840">
+                    <a:tc>
+                      <a:txBody>
+                        <a:bodyPr/>
+                        <a:lstStyle/>
+                        <a:p>
+                          <a:pPr algn="ctr" latinLnBrk="1"/>
+                          <a:r>
+                            <a:rPr lang="en-US" altLang="ko-KR" sz="1400" dirty="0" smtClean="0">
+                              <a:solidFill>
+                                <a:schemeClr val="tx1"/>
+                              </a:solidFill>
+                            </a:rPr>
+                            <a:t>j</a:t>
+                          </a:r>
+                          <a:endParaRPr lang="ko-KR" altLang="en-US" sz="1400" dirty="0">
+                            <a:solidFill>
+                              <a:schemeClr val="tx1"/>
+                            </a:solidFill>
+                          </a:endParaRPr>
+                        </a:p>
+                      </a:txBody>
+                      <a:tcPr>
+                        <a:solidFill>
+                          <a:schemeClr val="bg1"/>
+                        </a:solidFill>
+                      </a:tcPr>
+                    </a:tc>
+                    <a:tc>
+                      <a:txBody>
+                        <a:bodyPr/>
+                        <a:lstStyle/>
+                        <a:p>
+                          <a:pPr algn="ctr" latinLnBrk="1"/>
+                          <a:r>
+                            <a:rPr lang="en-US" altLang="ko-KR" sz="1400" dirty="0" smtClean="0"/>
+                            <a:t>Connectable</a:t>
+                          </a:r>
+                          <a:r>
+                            <a:rPr lang="en-US" altLang="ko-KR" sz="1400" baseline="0" dirty="0" smtClean="0"/>
+                            <a:t> AP at </a:t>
+                          </a:r>
+                          <a14:m>
+                            <m:oMath xmlns:m="http://schemas.openxmlformats.org/officeDocument/2006/math">
+                              <m:sSub>
+                                <m:sSubPr>
+                                  <m:ctrlPr>
+                                    <a:rPr lang="en-US" altLang="ko-KR" sz="1400" i="1" baseline="0" smtClean="0">
+                                      <a:latin typeface="Cambria Math"/>
+                                    </a:rPr>
+                                  </m:ctrlPr>
+                                </m:sSubPr>
+                                <m:e>
+                                  <m:r>
+                                    <a:rPr lang="en-US" altLang="ko-KR" sz="1400" b="0" i="1" baseline="0" smtClean="0">
+                                      <a:latin typeface="Cambria Math"/>
+                                    </a:rPr>
+                                    <m:t>𝑈𝐸</m:t>
+                                  </m:r>
+                                </m:e>
+                                <m:sub>
+                                  <m:r>
+                                    <a:rPr lang="en-US" altLang="ko-KR" sz="1400" b="0" i="1" baseline="0" smtClean="0">
+                                      <a:latin typeface="Cambria Math"/>
+                                    </a:rPr>
+                                    <m:t>𝑖</m:t>
+                                  </m:r>
+                                </m:sub>
+                              </m:sSub>
+                            </m:oMath>
+                          </a14:m>
+                          <a:endParaRPr lang="ko-KR" altLang="en-US" sz="1400" dirty="0"/>
+                        </a:p>
+                      </a:txBody>
+                      <a:tcPr>
+                        <a:solidFill>
+                          <a:schemeClr val="bg1"/>
+                        </a:solidFill>
+                      </a:tcPr>
+                    </a:tc>
+                  </a:tr>
+                  <a:tr h="370840">
+                    <a:tc>
+                      <a:txBody>
+                        <a:bodyPr/>
+                        <a:lstStyle/>
+                        <a:p>
+                          <a:pPr algn="ctr" latinLnBrk="1"/>
+                          <a14:m>
+                            <m:oMathPara xmlns:m="http://schemas.openxmlformats.org/officeDocument/2006/math">
+                              <m:oMathParaPr>
+                                <m:jc m:val="centerGroup"/>
+                              </m:oMathParaPr>
+                              <m:oMath xmlns:m="http://schemas.openxmlformats.org/officeDocument/2006/math">
+                                <m:sSubSup>
+                                  <m:sSubSupPr>
+                                    <m:ctrlPr>
+                                      <a:rPr lang="en-US" altLang="ko-KR" sz="1400" i="1" kern="0" smtClean="0">
+                                        <a:solidFill>
+                                          <a:srgbClr val="000000"/>
+                                        </a:solidFill>
+                                        <a:latin typeface="Cambria Math"/>
+                                        <a:ea typeface="Cambria Math"/>
+                                        <a:cs typeface="Tahoma" panose="020B0604030504040204" pitchFamily="34" charset="0"/>
+                                      </a:rPr>
+                                    </m:ctrlPr>
+                                  </m:sSubSupPr>
+                                  <m:e>
+                                    <m:r>
+                                      <a:rPr lang="en-US" altLang="ko-KR" sz="1400" b="0" i="1" kern="0" smtClean="0">
+                                        <a:solidFill>
+                                          <a:srgbClr val="000000"/>
+                                        </a:solidFill>
+                                        <a:latin typeface="Cambria Math"/>
+                                        <a:ea typeface="Cambria Math"/>
+                                        <a:cs typeface="Tahoma" panose="020B0604030504040204" pitchFamily="34" charset="0"/>
+                                      </a:rPr>
+                                      <m:t>𝑡</m:t>
+                                    </m:r>
+                                  </m:e>
+                                  <m:sub>
+                                    <m:r>
+                                      <a:rPr lang="en-US" altLang="ko-KR" sz="1400" b="0" i="1" kern="0" smtClean="0">
+                                        <a:solidFill>
+                                          <a:srgbClr val="000000"/>
+                                        </a:solidFill>
+                                        <a:latin typeface="Cambria Math" panose="02040503050406030204" pitchFamily="18" charset="0"/>
+                                        <a:ea typeface="Cambria Math"/>
+                                        <a:cs typeface="Tahoma" panose="020B0604030504040204" pitchFamily="34" charset="0"/>
+                                      </a:rPr>
+                                      <m:t>𝑖</m:t>
+                                    </m:r>
+                                  </m:sub>
+                                  <m:sup>
+                                    <m:r>
+                                      <a:rPr lang="en-US" altLang="ko-KR" sz="1400" b="0" i="1" kern="0" smtClean="0">
+                                        <a:solidFill>
+                                          <a:srgbClr val="000000"/>
+                                        </a:solidFill>
+                                        <a:latin typeface="Cambria Math" panose="02040503050406030204" pitchFamily="18" charset="0"/>
+                                        <a:ea typeface="Cambria Math"/>
+                                        <a:cs typeface="Tahoma" panose="020B0604030504040204" pitchFamily="34" charset="0"/>
+                                      </a:rPr>
+                                      <m:t>𝑝𝑙𝑎𝑦</m:t>
+                                    </m:r>
+                                  </m:sup>
+                                </m:sSubSup>
+                              </m:oMath>
+                            </m:oMathPara>
+                          </a14:m>
+                          <a:endParaRPr lang="ko-KR" altLang="en-US" sz="1400" dirty="0">
+                            <a:solidFill>
+                              <a:schemeClr val="tx1"/>
+                            </a:solidFill>
+                          </a:endParaRPr>
+                        </a:p>
+                      </a:txBody>
+                      <a:tcPr>
+                        <a:solidFill>
+                          <a:schemeClr val="bg1"/>
+                        </a:solidFill>
+                      </a:tcPr>
+                    </a:tc>
+                    <a:tc>
+                      <a:txBody>
+                        <a:bodyPr/>
+                        <a:lstStyle/>
+                        <a:p>
+                          <a:pPr algn="ctr" latinLnBrk="1"/>
+                          <a:r>
+                            <a:rPr lang="en-US" altLang="ko-KR" sz="1400" dirty="0" smtClean="0"/>
+                            <a:t>Playback time at </a:t>
+                          </a:r>
+                          <a14:m>
+                            <m:oMath xmlns:m="http://schemas.openxmlformats.org/officeDocument/2006/math">
+                              <m:sSub>
+                                <m:sSubPr>
+                                  <m:ctrlPr>
+                                    <a:rPr lang="en-US" altLang="ko-KR" sz="1400" i="1" baseline="0" smtClean="0">
+                                      <a:latin typeface="Cambria Math"/>
+                                    </a:rPr>
+                                  </m:ctrlPr>
+                                </m:sSubPr>
+                                <m:e>
+                                  <m:r>
+                                    <a:rPr lang="en-US" altLang="ko-KR" sz="1400" b="0" i="1" baseline="0" smtClean="0">
+                                      <a:latin typeface="Cambria Math"/>
+                                    </a:rPr>
+                                    <m:t>𝑈𝐸</m:t>
+                                  </m:r>
+                                </m:e>
+                                <m:sub>
+                                  <m:r>
+                                    <a:rPr lang="en-US" altLang="ko-KR" sz="1400" b="0" i="1" baseline="0" smtClean="0">
+                                      <a:latin typeface="Cambria Math"/>
+                                    </a:rPr>
+                                    <m:t>𝑖</m:t>
+                                  </m:r>
+                                </m:sub>
+                              </m:sSub>
+                            </m:oMath>
+                          </a14:m>
+                          <a:endParaRPr lang="ko-KR" altLang="en-US" sz="1400" dirty="0"/>
+                        </a:p>
+                      </a:txBody>
+                      <a:tcPr>
+                        <a:solidFill>
+                          <a:schemeClr val="bg1"/>
+                        </a:solidFill>
+                      </a:tcPr>
+                    </a:tc>
                     <a:extLst>
                       <a:ext uri="{0D108BD9-81ED-4DB2-BD59-A6C34878D82A}">
-                        <a16:rowId xmlns="" xmlns:a16="http://schemas.microsoft.com/office/drawing/2014/main" val="10003"/>
+                        <a16:rowId xmlns:a16="http://schemas.microsoft.com/office/drawing/2014/main" xmlns="" val="10004"/>
                       </a:ext>
                     </a:extLst>
+                  </a:tr>
+                  <a:tr h="370840">
+                    <a:tc>
+                      <a:txBody>
+                        <a:bodyPr/>
+                        <a:lstStyle/>
+                        <a:p>
+                          <a:pPr algn="ctr" latinLnBrk="1"/>
+                          <a14:m>
+                            <m:oMathPara xmlns:m="http://schemas.openxmlformats.org/officeDocument/2006/math">
+                              <m:oMathParaPr>
+                                <m:jc m:val="centerGroup"/>
+                              </m:oMathParaPr>
+                              <m:oMath xmlns:m="http://schemas.openxmlformats.org/officeDocument/2006/math">
+                                <m:sSub>
+                                  <m:sSubPr>
+                                    <m:ctrlPr>
+                                      <a:rPr lang="en-US" altLang="ko-KR" sz="1400" i="1" smtClean="0">
+                                        <a:solidFill>
+                                          <a:schemeClr val="tx1"/>
+                                        </a:solidFill>
+                                        <a:latin typeface="Cambria Math"/>
+                                      </a:rPr>
+                                    </m:ctrlPr>
+                                  </m:sSubPr>
+                                  <m:e>
+                                    <m:r>
+                                      <a:rPr lang="en-US" altLang="ko-KR" sz="1400" b="0" i="1" smtClean="0">
+                                        <a:solidFill>
+                                          <a:schemeClr val="tx1"/>
+                                        </a:solidFill>
+                                        <a:latin typeface="Cambria Math"/>
+                                      </a:rPr>
+                                      <m:t>𝑏</m:t>
+                                    </m:r>
+                                  </m:e>
+                                  <m:sub>
+                                    <m:r>
+                                      <a:rPr lang="en-US" altLang="ko-KR" sz="1400" i="1" smtClean="0">
+                                        <a:solidFill>
+                                          <a:schemeClr val="tx1"/>
+                                        </a:solidFill>
+                                        <a:latin typeface="Cambria Math" panose="02040503050406030204" pitchFamily="18" charset="0"/>
+                                      </a:rPr>
+                                      <m:t>𝑖</m:t>
+                                    </m:r>
+                                  </m:sub>
+                                </m:sSub>
+                              </m:oMath>
+                            </m:oMathPara>
+                          </a14:m>
+                          <a:endParaRPr lang="ko-KR" altLang="en-US" sz="1400" dirty="0">
+                            <a:solidFill>
+                              <a:schemeClr val="tx1"/>
+                            </a:solidFill>
+                          </a:endParaRPr>
+                        </a:p>
+                      </a:txBody>
+                      <a:tcPr anchor="ctr">
+                        <a:solidFill>
+                          <a:schemeClr val="bg1"/>
+                        </a:solidFill>
+                      </a:tcPr>
+                    </a:tc>
+                    <a:tc>
+                      <a:txBody>
+                        <a:bodyPr/>
+                        <a:lstStyle/>
+                        <a:p>
+                          <a:pPr algn="ctr" latinLnBrk="1"/>
+                          <a:r>
+                            <a:rPr lang="en-US" altLang="ko-KR" sz="1400" dirty="0" smtClean="0"/>
+                            <a:t>Accumulated</a:t>
+                          </a:r>
+                          <a:r>
+                            <a:rPr lang="en-US" altLang="ko-KR" sz="1400" baseline="0" dirty="0" smtClean="0"/>
+                            <a:t> bytes at</a:t>
+                          </a:r>
+                          <a:r>
+                            <a:rPr lang="en-US" altLang="ko-KR" sz="1400" dirty="0" smtClean="0"/>
+                            <a:t> </a:t>
+                          </a:r>
+                          <a14:m>
+                            <m:oMath xmlns:m="http://schemas.openxmlformats.org/officeDocument/2006/math">
+                              <m:sSub>
+                                <m:sSubPr>
+                                  <m:ctrlPr>
+                                    <a:rPr lang="en-US" altLang="ko-KR" sz="1400" i="1" baseline="0" smtClean="0">
+                                      <a:latin typeface="Cambria Math"/>
+                                    </a:rPr>
+                                  </m:ctrlPr>
+                                </m:sSubPr>
+                                <m:e>
+                                  <m:r>
+                                    <a:rPr lang="en-US" altLang="ko-KR" sz="1400" b="0" i="1" baseline="0" smtClean="0">
+                                      <a:latin typeface="Cambria Math"/>
+                                    </a:rPr>
+                                    <m:t>𝑈𝐸</m:t>
+                                  </m:r>
+                                </m:e>
+                                <m:sub>
+                                  <m:r>
+                                    <a:rPr lang="en-US" altLang="ko-KR" sz="1400" b="0" i="1" baseline="0" smtClean="0">
+                                      <a:latin typeface="Cambria Math"/>
+                                    </a:rPr>
+                                    <m:t>𝑖</m:t>
+                                  </m:r>
+                                </m:sub>
+                              </m:sSub>
+                            </m:oMath>
+                          </a14:m>
+                          <a:endParaRPr lang="ko-KR" altLang="en-US" sz="1400" dirty="0"/>
+                        </a:p>
+                      </a:txBody>
+                      <a:tcPr>
+                        <a:solidFill>
+                          <a:schemeClr val="bg1"/>
+                        </a:solidFill>
+                      </a:tcPr>
+                    </a:tc>
+                    <a:extLst>
+                      <a:ext uri="{0D108BD9-81ED-4DB2-BD59-A6C34878D82A}">
+                        <a16:rowId xmlns:a16="http://schemas.microsoft.com/office/drawing/2014/main" xmlns="" val="10006"/>
+                      </a:ext>
+                    </a:extLst>
+                  </a:tr>
+                  <a:tr h="370840">
+                    <a:tc>
+                      <a:txBody>
+                        <a:bodyPr/>
+                        <a:lstStyle/>
+                        <a:p>
+                          <a:pPr algn="ctr" latinLnBrk="1"/>
+                          <a14:m>
+                            <m:oMathPara xmlns:m="http://schemas.openxmlformats.org/officeDocument/2006/math">
+                              <m:oMathParaPr>
+                                <m:jc m:val="centerGroup"/>
+                              </m:oMathParaPr>
+                              <m:oMath xmlns:m="http://schemas.openxmlformats.org/officeDocument/2006/math">
+                                <m:sSubSup>
+                                  <m:sSubSupPr>
+                                    <m:ctrlPr>
+                                      <a:rPr lang="en-US" altLang="ko-KR" sz="1400" i="1" kern="0" smtClean="0">
+                                        <a:solidFill>
+                                          <a:srgbClr val="000000"/>
+                                        </a:solidFill>
+                                        <a:latin typeface="Cambria Math"/>
+                                        <a:ea typeface="+mn-ea"/>
+                                        <a:cs typeface="Tahoma" panose="020B0604030504040204" pitchFamily="34" charset="0"/>
+                                      </a:rPr>
+                                    </m:ctrlPr>
+                                  </m:sSubSupPr>
+                                  <m:e>
+                                    <m:r>
+                                      <a:rPr lang="en-US" altLang="ko-KR" sz="1400" i="1" kern="0">
+                                        <a:solidFill>
+                                          <a:srgbClr val="000000"/>
+                                        </a:solidFill>
+                                        <a:latin typeface="Cambria Math" panose="02040503050406030204" pitchFamily="18" charset="0"/>
+                                        <a:ea typeface="+mn-ea"/>
+                                        <a:cs typeface="Tahoma" panose="020B0604030504040204" pitchFamily="34" charset="0"/>
+                                      </a:rPr>
+                                      <m:t>𝑏𝑤</m:t>
+                                    </m:r>
+                                  </m:e>
+                                  <m:sub>
+                                    <m:r>
+                                      <a:rPr lang="en-US" altLang="ko-KR" sz="1400" i="1" kern="0">
+                                        <a:solidFill>
+                                          <a:srgbClr val="000000"/>
+                                        </a:solidFill>
+                                        <a:latin typeface="Cambria Math" panose="02040503050406030204" pitchFamily="18" charset="0"/>
+                                        <a:ea typeface="+mn-ea"/>
+                                        <a:cs typeface="Tahoma" panose="020B0604030504040204" pitchFamily="34" charset="0"/>
+                                      </a:rPr>
+                                      <m:t>𝑖</m:t>
+                                    </m:r>
+                                  </m:sub>
+                                  <m:sup>
+                                    <m:r>
+                                      <a:rPr lang="en-US" altLang="ko-KR" sz="1400" i="1" kern="0">
+                                        <a:solidFill>
+                                          <a:srgbClr val="000000"/>
+                                        </a:solidFill>
+                                        <a:latin typeface="Cambria Math" panose="02040503050406030204" pitchFamily="18" charset="0"/>
+                                        <a:ea typeface="+mn-ea"/>
+                                        <a:cs typeface="Tahoma" panose="020B0604030504040204" pitchFamily="34" charset="0"/>
+                                      </a:rPr>
+                                      <m:t>𝑎𝑣𝑎𝑖𝑙</m:t>
+                                    </m:r>
+                                  </m:sup>
+                                </m:sSubSup>
+                              </m:oMath>
+                            </m:oMathPara>
+                          </a14:m>
+                          <a:endParaRPr lang="ko-KR" altLang="en-US" sz="1400" dirty="0">
+                            <a:solidFill>
+                              <a:schemeClr val="tx1"/>
+                            </a:solidFill>
+                          </a:endParaRPr>
+                        </a:p>
+                      </a:txBody>
+                      <a:tcPr>
+                        <a:solidFill>
+                          <a:schemeClr val="bg1"/>
+                        </a:solidFill>
+                      </a:tcPr>
+                    </a:tc>
+                    <a:tc>
+                      <a:txBody>
+                        <a:bodyPr/>
+                        <a:lstStyle/>
+                        <a:p>
+                          <a:pPr algn="ctr" latinLnBrk="1"/>
+                          <a:r>
+                            <a:rPr lang="en-US" altLang="ko-KR" sz="1400" dirty="0" smtClean="0"/>
+                            <a:t>Available Bandwidth at </a:t>
+                          </a:r>
+                          <a14:m>
+                            <m:oMath xmlns:m="http://schemas.openxmlformats.org/officeDocument/2006/math">
+                              <m:sSub>
+                                <m:sSubPr>
+                                  <m:ctrlPr>
+                                    <a:rPr lang="en-US" altLang="ko-KR" sz="1400" i="1" baseline="0" smtClean="0">
+                                      <a:latin typeface="Cambria Math"/>
+                                    </a:rPr>
+                                  </m:ctrlPr>
+                                </m:sSubPr>
+                                <m:e>
+                                  <m:r>
+                                    <a:rPr lang="en-US" altLang="ko-KR" sz="1400" b="0" i="1" baseline="0" smtClean="0">
+                                      <a:latin typeface="Cambria Math"/>
+                                    </a:rPr>
+                                    <m:t>𝑈𝐸</m:t>
+                                  </m:r>
+                                </m:e>
+                                <m:sub>
+                                  <m:r>
+                                    <a:rPr lang="en-US" altLang="ko-KR" sz="1400" b="0" i="1" baseline="0" smtClean="0">
+                                      <a:latin typeface="Cambria Math"/>
+                                    </a:rPr>
+                                    <m:t>𝑖</m:t>
+                                  </m:r>
+                                </m:sub>
+                              </m:sSub>
+                            </m:oMath>
+                          </a14:m>
+                          <a:endParaRPr lang="ko-KR" altLang="en-US" sz="1400" dirty="0"/>
+                        </a:p>
+                      </a:txBody>
+                      <a:tcPr>
+                        <a:solidFill>
+                          <a:schemeClr val="bg1"/>
+                        </a:solidFill>
+                      </a:tcPr>
+                    </a:tc>
+                    <a:extLst>
+                      <a:ext uri="{0D108BD9-81ED-4DB2-BD59-A6C34878D82A}">
+                        <a16:rowId xmlns:a16="http://schemas.microsoft.com/office/drawing/2014/main" xmlns="" val="10007"/>
+                      </a:ext>
+                    </a:extLst>
+                  </a:tr>
+                  <a:tr h="370840">
+                    <a:tc>
+                      <a:txBody>
+                        <a:bodyPr/>
+                        <a:lstStyle/>
+                        <a:p>
+                          <a:pPr algn="ctr" latinLnBrk="1"/>
+                          <a14:m>
+                            <m:oMathPara xmlns:m="http://schemas.openxmlformats.org/officeDocument/2006/math">
+                              <m:oMathParaPr>
+                                <m:jc m:val="centerGroup"/>
+                              </m:oMathParaPr>
+                              <m:oMath xmlns:m="http://schemas.openxmlformats.org/officeDocument/2006/math">
+                                <m:sSub>
+                                  <m:sSubPr>
+                                    <m:ctrlPr>
+                                      <a:rPr lang="en-US" altLang="ko-KR" sz="1400" i="1" smtClean="0">
+                                        <a:solidFill>
+                                          <a:schemeClr val="tx1"/>
+                                        </a:solidFill>
+                                        <a:latin typeface="Cambria Math"/>
+                                      </a:rPr>
+                                    </m:ctrlPr>
+                                  </m:sSubPr>
+                                  <m:e>
+                                    <m:r>
+                                      <a:rPr lang="en-US" altLang="ko-KR" sz="1400" b="0" i="1" smtClean="0">
+                                        <a:solidFill>
+                                          <a:schemeClr val="tx1"/>
+                                        </a:solidFill>
+                                        <a:latin typeface="Cambria Math"/>
+                                      </a:rPr>
+                                      <m:t>𝑠</m:t>
+                                    </m:r>
+                                  </m:e>
+                                  <m:sub>
+                                    <m:r>
+                                      <a:rPr lang="en-US" altLang="ko-KR" sz="1400" i="1" smtClean="0">
+                                        <a:solidFill>
+                                          <a:schemeClr val="tx1"/>
+                                        </a:solidFill>
+                                        <a:latin typeface="Cambria Math" panose="02040503050406030204" pitchFamily="18" charset="0"/>
+                                      </a:rPr>
+                                      <m:t>𝑖</m:t>
+                                    </m:r>
+                                  </m:sub>
+                                </m:sSub>
+                              </m:oMath>
+                            </m:oMathPara>
+                          </a14:m>
+                          <a:endParaRPr lang="ko-KR" altLang="en-US" sz="1400" dirty="0">
+                            <a:solidFill>
+                              <a:schemeClr val="tx1"/>
+                            </a:solidFill>
+                          </a:endParaRPr>
+                        </a:p>
+                      </a:txBody>
+                      <a:tcPr>
+                        <a:solidFill>
+                          <a:schemeClr val="bg1"/>
+                        </a:solidFill>
+                      </a:tcPr>
+                    </a:tc>
+                    <a:tc>
+                      <a:txBody>
+                        <a:bodyPr/>
+                        <a:lstStyle/>
+                        <a:p>
+                          <a:pPr algn="ctr" latinLnBrk="1"/>
+                          <a:r>
+                            <a:rPr lang="en-US" altLang="ko-KR" sz="1400" dirty="0" smtClean="0"/>
+                            <a:t>Segment Size requested by </a:t>
+                          </a:r>
+                          <a14:m>
+                            <m:oMath xmlns:m="http://schemas.openxmlformats.org/officeDocument/2006/math">
+                              <m:sSub>
+                                <m:sSubPr>
+                                  <m:ctrlPr>
+                                    <a:rPr lang="en-US" altLang="ko-KR" sz="1400" i="1" baseline="0" smtClean="0">
+                                      <a:latin typeface="Cambria Math"/>
+                                    </a:rPr>
+                                  </m:ctrlPr>
+                                </m:sSubPr>
+                                <m:e>
+                                  <m:r>
+                                    <a:rPr lang="en-US" altLang="ko-KR" sz="1400" b="0" i="1" baseline="0" smtClean="0">
+                                      <a:latin typeface="Cambria Math"/>
+                                    </a:rPr>
+                                    <m:t>𝑈𝐸</m:t>
+                                  </m:r>
+                                </m:e>
+                                <m:sub>
+                                  <m:r>
+                                    <a:rPr lang="en-US" altLang="ko-KR" sz="1400" b="0" i="1" baseline="0" smtClean="0">
+                                      <a:latin typeface="Cambria Math"/>
+                                    </a:rPr>
+                                    <m:t>𝑖</m:t>
+                                  </m:r>
+                                </m:sub>
+                              </m:sSub>
+                            </m:oMath>
+                          </a14:m>
+                          <a:endParaRPr lang="ko-KR" altLang="en-US" sz="1400" dirty="0"/>
+                        </a:p>
+                      </a:txBody>
+                      <a:tcPr>
+                        <a:solidFill>
+                          <a:schemeClr val="bg1"/>
+                        </a:solidFill>
+                      </a:tcPr>
+                    </a:tc>
+                  </a:tr>
+                  <a:tr h="370840">
+                    <a:tc>
+                      <a:txBody>
+                        <a:bodyPr/>
+                        <a:lstStyle/>
+                        <a:p>
+                          <a:pPr algn="ctr" latinLnBrk="1"/>
+                          <a14:m>
+                            <m:oMathPara xmlns:m="http://schemas.openxmlformats.org/officeDocument/2006/math">
+                              <m:oMathParaPr>
+                                <m:jc m:val="centerGroup"/>
+                              </m:oMathParaPr>
+                              <m:oMath xmlns:m="http://schemas.openxmlformats.org/officeDocument/2006/math">
+                                <m:sSub>
+                                  <m:sSubPr>
+                                    <m:ctrlPr>
+                                      <a:rPr lang="en-US" altLang="ko-KR" sz="1400" i="1" kern="0" smtClean="0">
+                                        <a:solidFill>
+                                          <a:srgbClr val="000000"/>
+                                        </a:solidFill>
+                                        <a:latin typeface="Cambria Math"/>
+                                        <a:ea typeface="Cambria Math"/>
+                                        <a:cs typeface="Tahoma" panose="020B0604030504040204" pitchFamily="34" charset="0"/>
+                                      </a:rPr>
+                                    </m:ctrlPr>
+                                  </m:sSubPr>
+                                  <m:e>
+                                    <m:r>
+                                      <a:rPr lang="en-US" altLang="ko-KR" sz="1400" i="1" kern="0">
+                                        <a:solidFill>
+                                          <a:srgbClr val="000000"/>
+                                        </a:solidFill>
+                                        <a:latin typeface="Cambria Math"/>
+                                        <a:ea typeface="Cambria Math"/>
+                                        <a:cs typeface="Tahoma" panose="020B0604030504040204" pitchFamily="34" charset="0"/>
+                                      </a:rPr>
+                                      <m:t>𝑇</m:t>
+                                    </m:r>
+                                  </m:e>
+                                  <m:sub>
+                                    <m:r>
+                                      <a:rPr lang="en-US" altLang="ko-KR" sz="1400" i="1" kern="0">
+                                        <a:solidFill>
+                                          <a:srgbClr val="000000"/>
+                                        </a:solidFill>
+                                        <a:latin typeface="Cambria Math"/>
+                                        <a:ea typeface="Cambria Math"/>
+                                        <a:cs typeface="Tahoma" panose="020B0604030504040204" pitchFamily="34" charset="0"/>
+                                      </a:rPr>
+                                      <m:t>𝑠𝑙𝑜𝑡</m:t>
+                                    </m:r>
+                                  </m:sub>
+                                </m:sSub>
+                              </m:oMath>
+                            </m:oMathPara>
+                          </a14:m>
+                          <a:endParaRPr lang="ko-KR" altLang="en-US" sz="1400" dirty="0">
+                            <a:solidFill>
+                              <a:schemeClr val="tx1"/>
+                            </a:solidFill>
+                          </a:endParaRPr>
+                        </a:p>
+                      </a:txBody>
+                      <a:tcPr>
+                        <a:solidFill>
+                          <a:schemeClr val="bg1"/>
+                        </a:solidFill>
+                      </a:tcPr>
+                    </a:tc>
+                    <a:tc>
+                      <a:txBody>
+                        <a:bodyPr/>
+                        <a:lstStyle/>
+                        <a:p>
+                          <a:pPr algn="ctr" latinLnBrk="1"/>
+                          <a:r>
+                            <a:rPr lang="en-US" altLang="ko-KR" sz="1400" dirty="0" smtClean="0"/>
+                            <a:t>Time</a:t>
+                          </a:r>
+                          <a:r>
+                            <a:rPr lang="en-US" altLang="ko-KR" sz="1400" baseline="0" dirty="0" smtClean="0"/>
+                            <a:t> Slot</a:t>
+                          </a:r>
+                          <a:endParaRPr lang="ko-KR" altLang="en-US" sz="1400" dirty="0"/>
+                        </a:p>
+                      </a:txBody>
+                      <a:tcPr>
+                        <a:solidFill>
+                          <a:schemeClr val="bg1"/>
+                        </a:solidFill>
+                      </a:tcPr>
+                    </a:tc>
                   </a:tr>
                 </a:tbl>
               </a:graphicData>
             </a:graphic>
           </p:graphicFrame>
         </mc:Choice>
-        <mc:Fallback xmlns="">
+        <mc:Fallback>
           <p:graphicFrame>
             <p:nvGraphicFramePr>
               <p:cNvPr id="4" name="표 3"/>
@@ -12369,14 +12672,14 @@
               <p:nvPr>
                 <p:extLst>
                   <p:ext uri="{D42A27DB-BD31-4B8C-83A1-F6EECF244321}">
-                    <p14:modId xmlns:p14="http://schemas.microsoft.com/office/powerpoint/2010/main" val="3084025834"/>
+                    <p14:modId xmlns:p14="http://schemas.microsoft.com/office/powerpoint/2010/main" val="1402518241"/>
                   </p:ext>
                 </p:extLst>
               </p:nvPr>
             </p:nvGraphicFramePr>
             <p:xfrm>
-              <a:off x="3995936" y="1628800"/>
-              <a:ext cx="4578301" cy="3337560"/>
+              <a:off x="3779912" y="1628800"/>
+              <a:ext cx="5148064" cy="4079240"/>
             </p:xfrm>
             <a:graphic>
               <a:graphicData uri="http://schemas.openxmlformats.org/drawingml/2006/table">
@@ -12385,14 +12688,14 @@
                     <a:tableStyleId>{5C22544A-7EE6-4342-B048-85BDC9FD1C3A}</a:tableStyleId>
                   </a:tblPr>
                   <a:tblGrid>
-                    <a:gridCol w="1715735">
+                    <a:gridCol w="1929256">
                       <a:extLst>
                         <a:ext uri="{9D8B030D-6E8A-4147-A177-3AD203B41FA5}">
                           <a16:colId xmlns:a16="http://schemas.microsoft.com/office/drawing/2014/main" xmlns:a14="http://schemas.microsoft.com/office/drawing/2010/main" xmlns="" val="20000"/>
                         </a:ext>
                       </a:extLst>
                     </a:gridCol>
-                    <a:gridCol w="2862566">
+                    <a:gridCol w="3218808">
                       <a:extLst>
                         <a:ext uri="{9D8B030D-6E8A-4147-A177-3AD203B41FA5}">
                           <a16:colId xmlns:a16="http://schemas.microsoft.com/office/drawing/2014/main" xmlns:a14="http://schemas.microsoft.com/office/drawing/2010/main" xmlns="" val="20001"/>
@@ -12511,7 +12814,45 @@
                         <a:blipFill rotWithShape="1">
                           <a:blip r:embed="rId4"/>
                           <a:stretch>
-                            <a:fillRect l="-356" t="-203279" r="-167260" b="-598361"/>
+                            <a:fillRect t="-206667" r="-166562" b="-813333"/>
+                          </a:stretch>
+                        </a:blipFill>
+                      </a:tcPr>
+                    </a:tc>
+                    <a:tc>
+                      <a:txBody>
+                        <a:bodyPr/>
+                        <a:lstStyle/>
+                        <a:p>
+                          <a:pPr algn="ctr" latinLnBrk="1"/>
+                          <a:r>
+                            <a:rPr lang="en-US" altLang="ko-KR" sz="1400" dirty="0" smtClean="0"/>
+                            <a:t>Quality Function</a:t>
+                          </a:r>
+                          <a:endParaRPr lang="ko-KR" altLang="en-US" sz="1400" dirty="0"/>
+                        </a:p>
+                      </a:txBody>
+                      <a:tcPr>
+                        <a:solidFill>
+                          <a:schemeClr val="bg1"/>
+                        </a:solidFill>
+                      </a:tcPr>
+                    </a:tc>
+                  </a:tr>
+                  <a:tr h="370840">
+                    <a:tc>
+                      <a:txBody>
+                        <a:bodyPr/>
+                        <a:lstStyle/>
+                        <a:p>
+                          <a:endParaRPr lang="ko-KR"/>
+                        </a:p>
+                      </a:txBody>
+                      <a:tcPr>
+                        <a:blipFill rotWithShape="1">
+                          <a:blip r:embed="rId4"/>
+                          <a:stretch>
+                            <a:fillRect t="-301639" r="-166562" b="-700000"/>
                           </a:stretch>
                         </a:blipFill>
                       </a:tcPr>
@@ -12528,48 +12869,7 @@
                         <a:blipFill rotWithShape="1">
                           <a:blip r:embed="rId4"/>
                           <a:stretch>
-                            <a:fillRect l="-60000" t="-203279" b="-598361"/>
-                          </a:stretch>
-                        </a:blipFill>
-                      </a:tcPr>
-                    </a:tc>
-                    <a:extLst>
-                      <a:ext uri="{0D108BD9-81ED-4DB2-BD59-A6C34878D82A}">
-                        <a16:rowId xmlns:a16="http://schemas.microsoft.com/office/drawing/2014/main" xmlns:a14="http://schemas.microsoft.com/office/drawing/2010/main" xmlns="" val="10004"/>
-                      </a:ext>
-                    </a:extLst>
-                  </a:tr>
-                  <a:tr h="370840">
-                    <a:tc>
-                      <a:txBody>
-                        <a:bodyPr/>
-                        <a:lstStyle/>
-                        <a:p>
-                          <a:endParaRPr lang="ko-KR"/>
-                        </a:p>
-                      </a:txBody>
-                      <a:tcPr>
-                        <a:blipFill rotWithShape="1">
-                          <a:blip r:embed="rId4"/>
-                          <a:stretch>
-                            <a:fillRect l="-356" t="-303279" r="-167260" b="-498361"/>
-                          </a:stretch>
-                        </a:blipFill>
-                      </a:tcPr>
-                    </a:tc>
-                    <a:tc>
-                      <a:txBody>
-                        <a:bodyPr/>
-                        <a:lstStyle/>
-                        <a:p>
-                          <a:endParaRPr lang="ko-KR"/>
-                        </a:p>
-                      </a:txBody>
-                      <a:tcPr>
-                        <a:blipFill rotWithShape="1">
-                          <a:blip r:embed="rId4"/>
-                          <a:stretch>
-                            <a:fillRect l="-60000" t="-303279" b="-498361"/>
+                            <a:fillRect l="-60038" t="-301639" b="-700000"/>
                           </a:stretch>
                         </a:blipFill>
                       </a:tcPr>
@@ -12588,7 +12888,7 @@
                         <a:blipFill rotWithShape="1">
                           <a:blip r:embed="rId4"/>
                           <a:stretch>
-                            <a:fillRect l="-356" t="-410000" r="-167260" b="-406667"/>
+                            <a:fillRect t="-401639" r="-166562" b="-600000"/>
                           </a:stretch>
                         </a:blipFill>
                       </a:tcPr>
@@ -12605,7 +12905,7 @@
                         <a:blipFill rotWithShape="1">
                           <a:blip r:embed="rId4"/>
                           <a:stretch>
-                            <a:fillRect l="-60000" t="-410000" b="-406667"/>
+                            <a:fillRect l="-60038" t="-401639" b="-600000"/>
                           </a:stretch>
                         </a:blipFill>
                       </a:tcPr>
@@ -12651,86 +12951,7 @@
                         <a:blipFill rotWithShape="1">
                           <a:blip r:embed="rId4"/>
                           <a:stretch>
-                            <a:fillRect l="-60000" t="-501639" b="-300000"/>
-                          </a:stretch>
-                        </a:blipFill>
-                      </a:tcPr>
-                    </a:tc>
-                    <a:extLst>
-                      <a:ext uri="{0D108BD9-81ED-4DB2-BD59-A6C34878D82A}">
-                        <a16:rowId xmlns:a16="http://schemas.microsoft.com/office/drawing/2014/main" xmlns:a14="http://schemas.microsoft.com/office/drawing/2010/main" xmlns="" val="10005"/>
-                      </a:ext>
-                    </a:extLst>
-                  </a:tr>
-                  <a:tr h="370840">
-                    <a:tc>
-                      <a:txBody>
-                        <a:bodyPr/>
-                        <a:lstStyle/>
-                        <a:p>
-                          <a:endParaRPr lang="ko-KR"/>
-                        </a:p>
-                      </a:txBody>
-                      <a:tcPr>
-                        <a:blipFill rotWithShape="1">
-                          <a:blip r:embed="rId4"/>
-                          <a:stretch>
-                            <a:fillRect l="-356" t="-601639" r="-167260" b="-200000"/>
-                          </a:stretch>
-                        </a:blipFill>
-                      </a:tcPr>
-                    </a:tc>
-                    <a:tc>
-                      <a:txBody>
-                        <a:bodyPr/>
-                        <a:lstStyle/>
-                        <a:p>
-                          <a:pPr algn="ctr" latinLnBrk="1"/>
-                          <a:r>
-                            <a:rPr lang="en-US" altLang="ko-KR" sz="1400" dirty="0" smtClean="0"/>
-                            <a:t>Quality Function</a:t>
-                          </a:r>
-                          <a:endParaRPr lang="ko-KR" altLang="en-US" sz="1400" dirty="0"/>
-                        </a:p>
-                      </a:txBody>
-                      <a:tcPr>
-                        <a:solidFill>
-                          <a:schemeClr val="bg1"/>
-                        </a:solidFill>
-                      </a:tcPr>
-                    </a:tc>
-                  </a:tr>
-                  <a:tr h="370840">
-                    <a:tc>
-                      <a:txBody>
-                        <a:bodyPr/>
-                        <a:lstStyle/>
-                        <a:p>
-                          <a:endParaRPr lang="ko-KR"/>
-                        </a:p>
-                      </a:txBody>
-                      <a:tcPr>
-                        <a:blipFill rotWithShape="1">
-                          <a:blip r:embed="rId4"/>
-                          <a:stretch>
-                            <a:fillRect l="-356" t="-701639" r="-167260" b="-100000"/>
-                          </a:stretch>
-                        </a:blipFill>
-                      </a:tcPr>
-                    </a:tc>
-                    <a:tc>
-                      <a:txBody>
-                        <a:bodyPr/>
-                        <a:lstStyle/>
-                        <a:p>
-                          <a:endParaRPr lang="ko-KR"/>
-                        </a:p>
-                      </a:txBody>
-                      <a:tcPr>
-                        <a:blipFill rotWithShape="1">
-                          <a:blip r:embed="rId4"/>
-                          <a:stretch>
-                            <a:fillRect l="-60000" t="-701639" b="-100000"/>
+                            <a:fillRect l="-60038" t="-501639" b="-500000"/>
                           </a:stretch>
                         </a:blipFill>
                       </a:tcPr>
@@ -12749,7 +12970,7 @@
                         <a:blipFill rotWithShape="1">
                           <a:blip r:embed="rId4"/>
                           <a:stretch>
-                            <a:fillRect l="-356" t="-801639" r="-167260"/>
+                            <a:fillRect t="-601639" r="-166562" b="-400000"/>
                           </a:stretch>
                         </a:blipFill>
                       </a:tcPr>
@@ -12766,16 +12987,176 @@
                         <a:blipFill rotWithShape="1">
                           <a:blip r:embed="rId4"/>
                           <a:stretch>
-                            <a:fillRect l="-60000" t="-801639"/>
+                            <a:fillRect l="-60038" t="-601639" b="-400000"/>
                           </a:stretch>
                         </a:blipFill>
                       </a:tcPr>
                     </a:tc>
                     <a:extLst>
                       <a:ext uri="{0D108BD9-81ED-4DB2-BD59-A6C34878D82A}">
-                        <a16:rowId xmlns:a16="http://schemas.microsoft.com/office/drawing/2014/main" xmlns:a14="http://schemas.microsoft.com/office/drawing/2010/main" xmlns="" val="10003"/>
+                        <a16:rowId xmlns:a16="http://schemas.microsoft.com/office/drawing/2014/main" xmlns:a14="http://schemas.microsoft.com/office/drawing/2010/main" xmlns="" val="10004"/>
                       </a:ext>
                     </a:extLst>
+                  </a:tr>
+                  <a:tr h="370840">
+                    <a:tc>
+                      <a:txBody>
+                        <a:bodyPr/>
+                        <a:lstStyle/>
+                        <a:p>
+                          <a:endParaRPr lang="ko-KR"/>
+                        </a:p>
+                      </a:txBody>
+                      <a:tcPr anchor="ctr">
+                        <a:blipFill rotWithShape="1">
+                          <a:blip r:embed="rId4"/>
+                          <a:stretch>
+                            <a:fillRect t="-701639" r="-166562" b="-300000"/>
+                          </a:stretch>
+                        </a:blipFill>
+                      </a:tcPr>
+                    </a:tc>
+                    <a:tc>
+                      <a:txBody>
+                        <a:bodyPr/>
+                        <a:lstStyle/>
+                        <a:p>
+                          <a:endParaRPr lang="ko-KR"/>
+                        </a:p>
+                      </a:txBody>
+                      <a:tcPr>
+                        <a:blipFill rotWithShape="1">
+                          <a:blip r:embed="rId4"/>
+                          <a:stretch>
+                            <a:fillRect l="-60038" t="-701639" b="-300000"/>
+                          </a:stretch>
+                        </a:blipFill>
+                      </a:tcPr>
+                    </a:tc>
+                    <a:extLst>
+                      <a:ext uri="{0D108BD9-81ED-4DB2-BD59-A6C34878D82A}">
+                        <a16:rowId xmlns:a16="http://schemas.microsoft.com/office/drawing/2014/main" xmlns:a14="http://schemas.microsoft.com/office/drawing/2010/main" xmlns="" val="10006"/>
+                      </a:ext>
+                    </a:extLst>
+                  </a:tr>
+                  <a:tr h="370840">
+                    <a:tc>
+                      <a:txBody>
+                        <a:bodyPr/>
+                        <a:lstStyle/>
+                        <a:p>
+                          <a:endParaRPr lang="ko-KR"/>
+                        </a:p>
+                      </a:txBody>
+                      <a:tcPr>
+                        <a:blipFill rotWithShape="1">
+                          <a:blip r:embed="rId4"/>
+                          <a:stretch>
+                            <a:fillRect t="-815000" r="-166562" b="-205000"/>
+                          </a:stretch>
+                        </a:blipFill>
+                      </a:tcPr>
+                    </a:tc>
+                    <a:tc>
+                      <a:txBody>
+                        <a:bodyPr/>
+                        <a:lstStyle/>
+                        <a:p>
+                          <a:endParaRPr lang="ko-KR"/>
+                        </a:p>
+                      </a:txBody>
+                      <a:tcPr>
+                        <a:blipFill rotWithShape="1">
+                          <a:blip r:embed="rId4"/>
+                          <a:stretch>
+                            <a:fillRect l="-60038" t="-815000" b="-205000"/>
+                          </a:stretch>
+                        </a:blipFill>
+                      </a:tcPr>
+                    </a:tc>
+                    <a:extLst>
+                      <a:ext uri="{0D108BD9-81ED-4DB2-BD59-A6C34878D82A}">
+                        <a16:rowId xmlns:a16="http://schemas.microsoft.com/office/drawing/2014/main" xmlns:a14="http://schemas.microsoft.com/office/drawing/2010/main" xmlns="" val="10007"/>
+                      </a:ext>
+                    </a:extLst>
+                  </a:tr>
+                  <a:tr h="370840">
+                    <a:tc>
+                      <a:txBody>
+                        <a:bodyPr/>
+                        <a:lstStyle/>
+                        <a:p>
+                          <a:endParaRPr lang="ko-KR"/>
+                        </a:p>
+                      </a:txBody>
+                      <a:tcPr>
+                        <a:blipFill rotWithShape="1">
+                          <a:blip r:embed="rId4"/>
+                          <a:stretch>
+                            <a:fillRect t="-900000" r="-166562" b="-101639"/>
+                          </a:stretch>
+                        </a:blipFill>
+                      </a:tcPr>
+                    </a:tc>
+                    <a:tc>
+                      <a:txBody>
+                        <a:bodyPr/>
+                        <a:lstStyle/>
+                        <a:p>
+                          <a:endParaRPr lang="ko-KR"/>
+                        </a:p>
+                      </a:txBody>
+                      <a:tcPr>
+                        <a:blipFill rotWithShape="1">
+                          <a:blip r:embed="rId4"/>
+                          <a:stretch>
+                            <a:fillRect l="-60038" t="-900000" b="-101639"/>
+                          </a:stretch>
+                        </a:blipFill>
+                      </a:tcPr>
+                    </a:tc>
+                  </a:tr>
+                  <a:tr h="370840">
+                    <a:tc>
+                      <a:txBody>
+                        <a:bodyPr/>
+                        <a:lstStyle/>
+                        <a:p>
+                          <a:endParaRPr lang="ko-KR"/>
+                        </a:p>
+                      </a:txBody>
+                      <a:tcPr>
+                        <a:blipFill rotWithShape="1">
+                          <a:blip r:embed="rId4"/>
+                          <a:stretch>
+                            <a:fillRect t="-1000000" r="-166562" b="-1639"/>
+                          </a:stretch>
+                        </a:blipFill>
+                      </a:tcPr>
+                    </a:tc>
+                    <a:tc>
+                      <a:txBody>
+                        <a:bodyPr/>
+                        <a:lstStyle/>
+                        <a:p>
+                          <a:pPr algn="ctr" latinLnBrk="1"/>
+                          <a:r>
+                            <a:rPr lang="en-US" altLang="ko-KR" sz="1400" dirty="0" smtClean="0"/>
+                            <a:t>Time</a:t>
+                          </a:r>
+                          <a:r>
+                            <a:rPr lang="en-US" altLang="ko-KR" sz="1400" baseline="0" dirty="0" smtClean="0"/>
+                            <a:t> Slot</a:t>
+                          </a:r>
+                          <a:endParaRPr lang="ko-KR" altLang="en-US" sz="1400" dirty="0"/>
+                        </a:p>
+                      </a:txBody>
+                      <a:tcPr>
+                        <a:solidFill>
+                          <a:schemeClr val="bg1"/>
+                        </a:solidFill>
+                      </a:tcPr>
+                    </a:tc>
                   </a:tr>
                 </a:tbl>
               </a:graphicData>
@@ -13233,14 +13614,14 @@
                     <a:gridCol w="2906052">
                       <a:extLst>
                         <a:ext uri="{9D8B030D-6E8A-4147-A177-3AD203B41FA5}">
-                          <a16:colId xmlns="" xmlns:a16="http://schemas.microsoft.com/office/drawing/2014/main" val="20000"/>
+                          <a16:colId xmlns:a16="http://schemas.microsoft.com/office/drawing/2014/main" xmlns="" val="20000"/>
                         </a:ext>
                       </a:extLst>
                     </a:gridCol>
                     <a:gridCol w="4848513">
                       <a:extLst>
                         <a:ext uri="{9D8B030D-6E8A-4147-A177-3AD203B41FA5}">
-                          <a16:colId xmlns="" xmlns:a16="http://schemas.microsoft.com/office/drawing/2014/main" val="20001"/>
+                          <a16:colId xmlns:a16="http://schemas.microsoft.com/office/drawing/2014/main" xmlns="" val="20001"/>
                         </a:ext>
                       </a:extLst>
                     </a:gridCol>
@@ -13286,7 +13667,7 @@
                     </a:tc>
                     <a:extLst>
                       <a:ext uri="{0D108BD9-81ED-4DB2-BD59-A6C34878D82A}">
-                        <a16:rowId xmlns="" xmlns:a16="http://schemas.microsoft.com/office/drawing/2014/main" val="10000"/>
+                        <a16:rowId xmlns:a16="http://schemas.microsoft.com/office/drawing/2014/main" xmlns="" val="10000"/>
                       </a:ext>
                     </a:extLst>
                   </a:tr>
@@ -13347,7 +13728,7 @@
                     </a:tc>
                     <a:extLst>
                       <a:ext uri="{0D108BD9-81ED-4DB2-BD59-A6C34878D82A}">
-                        <a16:rowId xmlns="" xmlns:a16="http://schemas.microsoft.com/office/drawing/2014/main" val="10001"/>
+                        <a16:rowId xmlns:a16="http://schemas.microsoft.com/office/drawing/2014/main" xmlns="" val="10001"/>
                       </a:ext>
                     </a:extLst>
                   </a:tr>
@@ -13404,7 +13785,7 @@
                     </a:tc>
                     <a:extLst>
                       <a:ext uri="{0D108BD9-81ED-4DB2-BD59-A6C34878D82A}">
-                        <a16:rowId xmlns="" xmlns:a16="http://schemas.microsoft.com/office/drawing/2014/main" val="10004"/>
+                        <a16:rowId xmlns:a16="http://schemas.microsoft.com/office/drawing/2014/main" xmlns="" val="10004"/>
                       </a:ext>
                     </a:extLst>
                   </a:tr>
@@ -13459,6 +13840,11 @@
                         </a:solidFill>
                       </a:tcPr>
                     </a:tc>
+                    <a:extLst>
+                      <a:ext uri="{0D108BD9-81ED-4DB2-BD59-A6C34878D82A}">
+                        <a16:rowId xmlns:a16="http://schemas.microsoft.com/office/drawing/2014/main" xmlns="" val="10003"/>
+                      </a:ext>
+                    </a:extLst>
                   </a:tr>
                   <a:tr h="370840">
                     <a:tc>
@@ -13518,6 +13904,11 @@
                         </a:solidFill>
                       </a:tcPr>
                     </a:tc>
+                    <a:extLst>
+                      <a:ext uri="{0D108BD9-81ED-4DB2-BD59-A6C34878D82A}">
+                        <a16:rowId xmlns:a16="http://schemas.microsoft.com/office/drawing/2014/main" xmlns="" val="10006"/>
+                      </a:ext>
+                    </a:extLst>
                   </a:tr>
                   <a:tr h="370840">
                     <a:tc>
@@ -13807,7 +14198,7 @@
                     </a:tc>
                     <a:extLst>
                       <a:ext uri="{0D108BD9-81ED-4DB2-BD59-A6C34878D82A}">
-                        <a16:rowId xmlns="" xmlns:a16="http://schemas.microsoft.com/office/drawing/2014/main" val="10005"/>
+                        <a16:rowId xmlns:a16="http://schemas.microsoft.com/office/drawing/2014/main" xmlns="" val="10005"/>
                       </a:ext>
                     </a:extLst>
                   </a:tr>
@@ -13888,6 +14279,11 @@
                         </a:solidFill>
                       </a:tcPr>
                     </a:tc>
+                    <a:extLst>
+                      <a:ext uri="{0D108BD9-81ED-4DB2-BD59-A6C34878D82A}">
+                        <a16:rowId xmlns:a16="http://schemas.microsoft.com/office/drawing/2014/main" xmlns="" val="10007"/>
+                      </a:ext>
+                    </a:extLst>
                   </a:tr>
                   <a:tr h="370840">
                     <a:tc>
@@ -14329,6 +14725,11 @@
                         </a:solidFill>
                       </a:tcPr>
                     </a:tc>
+                    <a:extLst>
+                      <a:ext uri="{0D108BD9-81ED-4DB2-BD59-A6C34878D82A}">
+                        <a16:rowId xmlns:a16="http://schemas.microsoft.com/office/drawing/2014/main" xmlns="" val="10008"/>
+                      </a:ext>
+                    </a:extLst>
                   </a:tr>
                 </a:tbl>
               </a:graphicData>
@@ -15270,29 +15671,7 @@
                 <a:ea typeface="굴림"/>
                 <a:cs typeface="Tahoma" panose="020B0604030504040204" pitchFamily="34" charset="0"/>
               </a:rPr>
-              <a:t>Modified</a:t>
-            </a:r>
-            <a:r>
-              <a:rPr lang="en-US" altLang="ko-KR" sz="2000" kern="0" dirty="0" smtClean="0">
-                <a:solidFill>
-                  <a:srgbClr val="000000"/>
-                </a:solidFill>
-                <a:latin typeface="Arial"/>
-                <a:ea typeface="굴림"/>
-                <a:cs typeface="Tahoma" panose="020B0604030504040204" pitchFamily="34" charset="0"/>
-              </a:rPr>
-              <a:t> </a:t>
-            </a:r>
-            <a:r>
-              <a:rPr lang="en-US" altLang="ko-KR" sz="2000" kern="0" dirty="0" smtClean="0">
-                <a:solidFill>
-                  <a:srgbClr val="000000"/>
-                </a:solidFill>
-                <a:latin typeface="Arial"/>
-                <a:ea typeface="굴림"/>
-                <a:cs typeface="Tahoma" panose="020B0604030504040204" pitchFamily="34" charset="0"/>
-              </a:rPr>
-              <a:t>Problem Formulation</a:t>
+              <a:t>Modified Problem Formulation</a:t>
             </a:r>
           </a:p>
           <a:p>
@@ -16522,7 +16901,7 @@
   <a:extraClrSchemeLst/>
   <a:extLst>
     <a:ext uri="{05A4C25C-085E-4340-85A3-A5531E510DB2}">
-      <thm15:themeFamily xmlns="" xmlns:thm15="http://schemas.microsoft.com/office/thememl/2012/main" name="Office Theme" id="{62F939B6-93AF-4DB8-9C6B-D6C7DFDC589F}" vid="{4A3C46E8-61CC-4603-A589-7422A47A8E4A}"/>
+      <thm15:themeFamily xmlns:thm15="http://schemas.microsoft.com/office/thememl/2012/main" xmlns="" name="Office Theme" id="{62F939B6-93AF-4DB8-9C6B-D6C7DFDC589F}" vid="{4A3C46E8-61CC-4603-A589-7422A47A8E4A}"/>
     </a:ext>
   </a:extLst>
 </a:theme>

--- a/Daily(written_by_Korean)/180713.pptx
+++ b/Daily(written_by_Korean)/180713.pptx
@@ -7893,7 +7893,7 @@
               </a:rPr>
             </a:br>
             <a:r>
-              <a:rPr lang="en-US" altLang="ko-KR" sz="1000" b="0" dirty="0" smtClean="0">
+              <a:rPr lang="en-US" altLang="ko-KR" sz="1000" b="0" smtClean="0">
                 <a:solidFill>
                   <a:schemeClr val="bg2">
                     <a:lumMod val="75000"/>
@@ -7904,7 +7904,7 @@
               <a:t/>
             </a:r>
             <a:br>
-              <a:rPr lang="en-US" altLang="ko-KR" sz="1000" b="0" dirty="0" smtClean="0">
+              <a:rPr lang="en-US" altLang="ko-KR" sz="1000" b="0" smtClean="0">
                 <a:solidFill>
                   <a:schemeClr val="bg2">
                     <a:lumMod val="75000"/>
@@ -7914,7 +7914,7 @@
               </a:rPr>
             </a:br>
             <a:r>
-              <a:rPr lang="en-US" altLang="ko-KR" sz="1800" b="0" dirty="0" smtClean="0">
+              <a:rPr lang="en-US" altLang="ko-KR" sz="1800" b="0" smtClean="0">
                 <a:solidFill>
                   <a:schemeClr val="bg2">
                     <a:lumMod val="75000"/>
@@ -7922,7 +7922,7 @@
                 </a:solidFill>
                 <a:effectLst/>
               </a:rPr>
-              <a:t>2018-07-06</a:t>
+              <a:t>2018-07-13</a:t>
             </a:r>
             <a:endParaRPr lang="ko-KR" altLang="en-US" sz="3600" b="0" dirty="0" smtClean="0">
               <a:solidFill>
@@ -10208,7 +10208,7 @@
             <p:spPr>
               <a:xfrm>
                 <a:off x="395535" y="1135063"/>
-                <a:ext cx="4032449" cy="5068054"/>
+                <a:ext cx="4032449" cy="4872039"/>
               </a:xfrm>
               <a:prstGeom prst="rect">
                 <a:avLst/>
@@ -10421,16 +10421,46 @@
                                 </a:rPr>
                                 <m:t>(</m:t>
                               </m:r>
-                              <m:r>
-                                <a:rPr lang="en-US" altLang="ko-KR" sz="2000" i="1" kern="0">
-                                  <a:solidFill>
-                                    <a:srgbClr val="000000"/>
-                                  </a:solidFill>
-                                  <a:latin typeface="Cambria Math"/>
-                                  <a:cs typeface="Tahoma" panose="020B0604030504040204" pitchFamily="34" charset="0"/>
-                                </a:rPr>
-                                <m:t>𝑖</m:t>
-                              </m:r>
+                              <m:sSub>
+                                <m:sSubPr>
+                                  <m:ctrlPr>
+                                    <a:rPr lang="en-US" altLang="ko-KR" sz="2000" i="1" kern="0">
+                                      <a:solidFill>
+                                        <a:srgbClr val="000000"/>
+                                      </a:solidFill>
+                                      <a:latin typeface="Cambria Math"/>
+                                      <a:ea typeface="굴림"/>
+                                      <a:cs typeface="Tahoma" panose="020B0604030504040204" pitchFamily="34" charset="0"/>
+                                    </a:rPr>
+                                  </m:ctrlPr>
+                                </m:sSubPr>
+                                <m:e>
+                                  <m:r>
+                                    <a:rPr lang="en-US" altLang="ko-KR" sz="2000" i="1" kern="0">
+                                      <a:solidFill>
+                                        <a:srgbClr val="000000"/>
+                                      </a:solidFill>
+                                      <a:latin typeface="Cambria Math"/>
+                                      <a:ea typeface="굴림"/>
+                                      <a:cs typeface="Tahoma" panose="020B0604030504040204" pitchFamily="34" charset="0"/>
+                                    </a:rPr>
+                                    <m:t>𝑟</m:t>
+                                  </m:r>
+                                </m:e>
+                                <m:sub>
+                                  <m:r>
+                                    <a:rPr lang="en-US" altLang="ko-KR" sz="2000" i="1" kern="0">
+                                      <a:solidFill>
+                                        <a:srgbClr val="000000"/>
+                                      </a:solidFill>
+                                      <a:latin typeface="Cambria Math"/>
+                                      <a:ea typeface="굴림"/>
+                                      <a:cs typeface="Tahoma" panose="020B0604030504040204" pitchFamily="34" charset="0"/>
+                                    </a:rPr>
+                                    <m:t>𝑖</m:t>
+                                  </m:r>
+                                </m:sub>
+                              </m:sSub>
                               <m:r>
                                 <a:rPr lang="en-US" altLang="ko-KR" sz="2000" i="1" kern="0">
                                   <a:solidFill>
@@ -10503,17 +10533,46 @@
                                 </a:rPr>
                                 <m:t>(</m:t>
                               </m:r>
-                              <m:r>
-                                <a:rPr lang="en-US" altLang="ko-KR" sz="2000" b="0" i="1" kern="0" smtClean="0">
-                                  <a:solidFill>
-                                    <a:srgbClr val="000000"/>
-                                  </a:solidFill>
-                                  <a:latin typeface="Cambria Math"/>
-                                  <a:ea typeface="굴림"/>
-                                  <a:cs typeface="Tahoma" panose="020B0604030504040204" pitchFamily="34" charset="0"/>
-                                </a:rPr>
-                                <m:t>𝑖</m:t>
-                              </m:r>
+                              <m:sSub>
+                                <m:sSubPr>
+                                  <m:ctrlPr>
+                                    <a:rPr lang="en-US" altLang="ko-KR" sz="2000" i="1" kern="0">
+                                      <a:solidFill>
+                                        <a:srgbClr val="000000"/>
+                                      </a:solidFill>
+                                      <a:latin typeface="Cambria Math"/>
+                                      <a:ea typeface="굴림"/>
+                                      <a:cs typeface="Tahoma" panose="020B0604030504040204" pitchFamily="34" charset="0"/>
+                                    </a:rPr>
+                                  </m:ctrlPr>
+                                </m:sSubPr>
+                                <m:e>
+                                  <m:r>
+                                    <a:rPr lang="en-US" altLang="ko-KR" sz="2000" i="1" kern="0">
+                                      <a:solidFill>
+                                        <a:srgbClr val="000000"/>
+                                      </a:solidFill>
+                                      <a:latin typeface="Cambria Math"/>
+                                      <a:ea typeface="굴림"/>
+                                      <a:cs typeface="Tahoma" panose="020B0604030504040204" pitchFamily="34" charset="0"/>
+                                    </a:rPr>
+                                    <m:t>𝑟</m:t>
+                                  </m:r>
+                                </m:e>
+                                <m:sub>
+                                  <m:r>
+                                    <a:rPr lang="en-US" altLang="ko-KR" sz="2000" i="1" kern="0">
+                                      <a:solidFill>
+                                        <a:srgbClr val="000000"/>
+                                      </a:solidFill>
+                                      <a:latin typeface="Cambria Math"/>
+                                      <a:ea typeface="굴림"/>
+                                      <a:cs typeface="Tahoma" panose="020B0604030504040204" pitchFamily="34" charset="0"/>
+                                    </a:rPr>
+                                    <m:t>𝑖</m:t>
+                                  </m:r>
+                                </m:sub>
+                              </m:sSub>
                               <m:r>
                                 <a:rPr lang="en-US" altLang="ko-KR" sz="2000" b="0" i="1" kern="0" smtClean="0">
                                   <a:solidFill>
@@ -10645,10 +10704,10 @@
                 </a:pPr>
                 <a14:m>
                   <m:oMath xmlns:m="http://schemas.openxmlformats.org/officeDocument/2006/math">
-                    <m:f>
-                      <m:fPr>
+                    <m:sSubSup>
+                      <m:sSubSupPr>
                         <m:ctrlPr>
-                          <a:rPr lang="en-US" altLang="ko-KR" sz="2000" i="1" kern="0" smtClean="0">
+                          <a:rPr lang="en-US" altLang="ko-KR" sz="2000" i="1" kern="0">
                             <a:solidFill>
                               <a:srgbClr val="000000"/>
                             </a:solidFill>
@@ -10657,105 +10716,47 @@
                             <a:cs typeface="Tahoma" panose="020B0604030504040204" pitchFamily="34" charset="0"/>
                           </a:rPr>
                         </m:ctrlPr>
-                      </m:fPr>
-                      <m:num>
-                        <m:sSub>
-                          <m:sSubPr>
-                            <m:ctrlPr>
-                              <a:rPr lang="en-US" altLang="ko-KR" sz="2000" i="1" kern="0" smtClean="0">
-                                <a:solidFill>
-                                  <a:srgbClr val="000000"/>
-                                </a:solidFill>
-                                <a:latin typeface="Cambria Math"/>
-                                <a:ea typeface="굴림"/>
-                                <a:cs typeface="Tahoma" panose="020B0604030504040204" pitchFamily="34" charset="0"/>
-                              </a:rPr>
-                            </m:ctrlPr>
-                          </m:sSubPr>
-                          <m:e>
-                            <m:r>
-                              <a:rPr lang="en-US" altLang="ko-KR" sz="2000" b="0" i="1" kern="0" smtClean="0">
-                                <a:solidFill>
-                                  <a:srgbClr val="000000"/>
-                                </a:solidFill>
-                                <a:latin typeface="Cambria Math"/>
-                                <a:ea typeface="굴림"/>
-                                <a:cs typeface="Tahoma" panose="020B0604030504040204" pitchFamily="34" charset="0"/>
-                              </a:rPr>
-                              <m:t>𝑏</m:t>
-                            </m:r>
-                          </m:e>
-                          <m:sub>
-                            <m:r>
-                              <a:rPr lang="en-US" altLang="ko-KR" sz="2000" i="1" kern="0">
-                                <a:solidFill>
-                                  <a:srgbClr val="000000"/>
-                                </a:solidFill>
-                                <a:latin typeface="Cambria Math"/>
-                                <a:ea typeface="굴림"/>
-                                <a:cs typeface="Tahoma" panose="020B0604030504040204" pitchFamily="34" charset="0"/>
-                              </a:rPr>
-                              <m:t>𝑖</m:t>
-                            </m:r>
-                          </m:sub>
-                        </m:sSub>
-                      </m:num>
-                      <m:den>
-                        <m:sSubSup>
-                          <m:sSubSupPr>
-                            <m:ctrlPr>
-                              <a:rPr lang="en-US" altLang="ko-KR" sz="2000" i="1" kern="0">
-                                <a:solidFill>
-                                  <a:srgbClr val="000000"/>
-                                </a:solidFill>
-                                <a:latin typeface="Cambria Math"/>
-                                <a:ea typeface="Cambria Math"/>
-                                <a:cs typeface="Tahoma" panose="020B0604030504040204" pitchFamily="34" charset="0"/>
-                              </a:rPr>
-                            </m:ctrlPr>
-                          </m:sSubSupPr>
-                          <m:e>
-                            <m:r>
-                              <a:rPr lang="en-US" altLang="ko-KR" sz="2000" b="0" i="1" kern="0" smtClean="0">
-                                <a:solidFill>
-                                  <a:srgbClr val="000000"/>
-                                </a:solidFill>
-                                <a:latin typeface="Cambria Math"/>
-                                <a:ea typeface="Cambria Math"/>
-                                <a:cs typeface="Tahoma" panose="020B0604030504040204" pitchFamily="34" charset="0"/>
-                              </a:rPr>
-                              <m:t>𝑡</m:t>
-                            </m:r>
-                          </m:e>
-                          <m:sub>
-                            <m:r>
-                              <a:rPr lang="en-US" altLang="ko-KR" sz="2000" i="1" kern="0">
-                                <a:solidFill>
-                                  <a:srgbClr val="000000"/>
-                                </a:solidFill>
-                                <a:latin typeface="Cambria Math" panose="02040503050406030204" pitchFamily="18" charset="0"/>
-                                <a:ea typeface="Cambria Math"/>
-                                <a:cs typeface="Tahoma" panose="020B0604030504040204" pitchFamily="34" charset="0"/>
-                              </a:rPr>
-                              <m:t>𝑖</m:t>
-                            </m:r>
-                          </m:sub>
-                          <m:sup>
-                            <m:r>
-                              <a:rPr lang="en-US" altLang="ko-KR" sz="2000" i="1" kern="0">
-                                <a:solidFill>
-                                  <a:srgbClr val="000000"/>
-                                </a:solidFill>
-                                <a:latin typeface="Cambria Math" panose="02040503050406030204" pitchFamily="18" charset="0"/>
-                                <a:ea typeface="Cambria Math"/>
-                                <a:cs typeface="Tahoma" panose="020B0604030504040204" pitchFamily="34" charset="0"/>
-                              </a:rPr>
-                              <m:t>𝑝𝑙𝑎𝑦</m:t>
-                            </m:r>
-                          </m:sup>
-                        </m:sSubSup>
-                      </m:den>
-                    </m:f>
+                      </m:sSubSupPr>
+                      <m:e>
+                        <m:r>
+                          <a:rPr lang="en-US" altLang="ko-KR" sz="2000" i="1" kern="0">
+                            <a:solidFill>
+                              <a:srgbClr val="000000"/>
+                            </a:solidFill>
+                            <a:latin typeface="Cambria Math"/>
+                            <a:ea typeface="Cambria Math"/>
+                            <a:cs typeface="Tahoma" panose="020B0604030504040204" pitchFamily="34" charset="0"/>
+                          </a:rPr>
+                          <m:t>𝑡</m:t>
+                        </m:r>
+                      </m:e>
+                      <m:sub>
+                        <m:r>
+                          <a:rPr lang="en-US" altLang="ko-KR" sz="2000" i="1" kern="0">
+                            <a:solidFill>
+                              <a:srgbClr val="000000"/>
+                            </a:solidFill>
+                            <a:latin typeface="Cambria Math" panose="02040503050406030204" pitchFamily="18" charset="0"/>
+                            <a:ea typeface="Cambria Math"/>
+                            <a:cs typeface="Tahoma" panose="020B0604030504040204" pitchFamily="34" charset="0"/>
+                          </a:rPr>
+                          <m:t>𝑖</m:t>
+                        </m:r>
+                      </m:sub>
+                      <m:sup>
+                        <m:r>
+                          <a:rPr lang="en-US" altLang="ko-KR" sz="2000" i="1" kern="0">
+                            <a:solidFill>
+                              <a:srgbClr val="000000"/>
+                            </a:solidFill>
+                            <a:latin typeface="Cambria Math" panose="02040503050406030204" pitchFamily="18" charset="0"/>
+                            <a:ea typeface="Cambria Math"/>
+                            <a:cs typeface="Tahoma" panose="020B0604030504040204" pitchFamily="34" charset="0"/>
+                          </a:rPr>
+                          <m:t>𝑝𝑙𝑎𝑦</m:t>
+                        </m:r>
+                      </m:sup>
+                    </m:sSubSup>
                     <m:r>
                       <a:rPr lang="en-US" altLang="ko-KR" sz="2000" i="1" kern="0">
                         <a:solidFill>
@@ -10767,19 +10768,19 @@
                       </a:rPr>
                       <m:t>≤</m:t>
                     </m:r>
-                    <m:sSub>
-                      <m:sSubPr>
+                    <m:sSubSup>
+                      <m:sSubSupPr>
                         <m:ctrlPr>
                           <a:rPr lang="en-US" altLang="ko-KR" sz="2000" i="1" kern="0">
                             <a:solidFill>
                               <a:srgbClr val="000000"/>
                             </a:solidFill>
                             <a:latin typeface="Cambria Math"/>
-                            <a:ea typeface="굴림"/>
+                            <a:ea typeface="Cambria Math"/>
                             <a:cs typeface="Tahoma" panose="020B0604030504040204" pitchFamily="34" charset="0"/>
                           </a:rPr>
                         </m:ctrlPr>
-                      </m:sSubPr>
+                      </m:sSubSupPr>
                       <m:e>
                         <m:r>
                           <a:rPr lang="en-US" altLang="ko-KR" sz="2000" i="1" kern="0">
@@ -10787,10 +10788,10 @@
                               <a:srgbClr val="000000"/>
                             </a:solidFill>
                             <a:latin typeface="Cambria Math"/>
-                            <a:ea typeface="굴림"/>
+                            <a:ea typeface="Cambria Math"/>
                             <a:cs typeface="Tahoma" panose="020B0604030504040204" pitchFamily="34" charset="0"/>
                           </a:rPr>
-                          <m:t>𝑟</m:t>
+                          <m:t>𝑡</m:t>
                         </m:r>
                       </m:e>
                       <m:sub>
@@ -10799,14 +10800,27 @@
                             <a:solidFill>
                               <a:srgbClr val="000000"/>
                             </a:solidFill>
-                            <a:latin typeface="Cambria Math"/>
-                            <a:ea typeface="굴림"/>
+                            <a:latin typeface="Cambria Math" panose="02040503050406030204" pitchFamily="18" charset="0"/>
+                            <a:ea typeface="Cambria Math"/>
                             <a:cs typeface="Tahoma" panose="020B0604030504040204" pitchFamily="34" charset="0"/>
                           </a:rPr>
                           <m:t>𝑖</m:t>
                         </m:r>
                       </m:sub>
-                    </m:sSub>
+                      <m:sup>
+                        <m:r>
+                          <a:rPr lang="en-US" altLang="ko-KR" sz="2000" b="0" i="1" kern="0" smtClean="0">
+                            <a:solidFill>
+                              <a:srgbClr val="000000"/>
+                            </a:solidFill>
+                            <a:latin typeface="Cambria Math"/>
+                            <a:ea typeface="Cambria Math"/>
+                            <a:cs typeface="Tahoma" panose="020B0604030504040204" pitchFamily="34" charset="0"/>
+                          </a:rPr>
+                          <m:t>𝑏𝑢𝑓𝑓𝑒𝑟</m:t>
+                        </m:r>
+                      </m:sup>
+                    </m:sSubSup>
                   </m:oMath>
                 </a14:m>
                 <a:endParaRPr lang="en-US" altLang="ko-KR" sz="2000" i="1" kern="0" dirty="0">
@@ -11221,7 +11235,7 @@
             <p:spPr>
               <a:xfrm>
                 <a:off x="395535" y="1135063"/>
-                <a:ext cx="4032449" cy="5068054"/>
+                <a:ext cx="4032449" cy="4872039"/>
               </a:xfrm>
               <a:prstGeom prst="rect">
                 <a:avLst/>
@@ -11229,7 +11243,7 @@
               <a:blipFill rotWithShape="1">
                 <a:blip r:embed="rId3"/>
                 <a:stretch>
-                  <a:fillRect l="-2118" t="-962"/>
+                  <a:fillRect l="-2118" t="-1001"/>
                 </a:stretch>
               </a:blipFill>
             </p:spPr>
@@ -11259,7 +11273,7 @@
               <p:nvPr>
                 <p:extLst>
                   <p:ext uri="{D42A27DB-BD31-4B8C-83A1-F6EECF244321}">
-                    <p14:modId xmlns:p14="http://schemas.microsoft.com/office/powerpoint/2010/main" val="1402518241"/>
+                    <p14:modId xmlns:p14="http://schemas.microsoft.com/office/powerpoint/2010/main" val="3308993195"/>
                   </p:ext>
                 </p:extLst>
               </p:nvPr>
@@ -11418,7 +11432,7 @@
                               </m:oMathParaPr>
                               <m:oMath xmlns:m="http://schemas.openxmlformats.org/officeDocument/2006/math">
                                 <m:r>
-                                  <a:rPr lang="en-US" altLang="ko-KR" sz="1400" b="0" i="1" kern="0" smtClean="0">
+                                  <a:rPr lang="en-US" altLang="ko-KR" sz="1050" b="0" i="1" kern="0" smtClean="0">
                                     <a:solidFill>
                                       <a:srgbClr val="000000"/>
                                     </a:solidFill>
@@ -11430,7 +11444,7 @@
                                 <m:d>
                                   <m:dPr>
                                     <m:ctrlPr>
-                                      <a:rPr lang="en-US" altLang="ko-KR" sz="1400" b="0" i="1" kern="0">
+                                      <a:rPr lang="en-US" altLang="ko-KR" sz="1050" b="0" i="1" kern="0">
                                         <a:solidFill>
                                           <a:srgbClr val="000000"/>
                                         </a:solidFill>
@@ -11440,20 +11454,50 @@
                                     </m:ctrlPr>
                                   </m:dPr>
                                   <m:e>
-                                    <m:r>
-                                      <a:rPr lang="en-US" altLang="ko-KR" sz="1400" i="1" kern="0">
-                                        <a:solidFill>
-                                          <a:srgbClr val="000000"/>
-                                        </a:solidFill>
-                                        <a:latin typeface="Cambria Math"/>
-                                        <a:cs typeface="Tahoma" panose="020B0604030504040204" pitchFamily="34" charset="0"/>
-                                      </a:rPr>
-                                      <m:t>𝑖</m:t>
-                                    </m:r>
+                                    <m:sSub>
+                                      <m:sSubPr>
+                                        <m:ctrlPr>
+                                          <a:rPr lang="en-US" altLang="ko-KR" sz="1400" i="1" kern="0" smtClean="0">
+                                            <a:solidFill>
+                                              <a:srgbClr val="000000"/>
+                                            </a:solidFill>
+                                            <a:latin typeface="Cambria Math"/>
+                                            <a:ea typeface="+mn-ea"/>
+                                            <a:cs typeface="Tahoma" panose="020B0604030504040204" pitchFamily="34" charset="0"/>
+                                          </a:rPr>
+                                        </m:ctrlPr>
+                                      </m:sSubPr>
+                                      <m:e>
+                                        <m:r>
+                                          <a:rPr lang="en-US" altLang="ko-KR" sz="1400" i="1" kern="0">
+                                            <a:solidFill>
+                                              <a:srgbClr val="000000"/>
+                                            </a:solidFill>
+                                            <a:latin typeface="Cambria Math"/>
+                                            <a:ea typeface="+mn-ea"/>
+                                            <a:cs typeface="Tahoma" panose="020B0604030504040204" pitchFamily="34" charset="0"/>
+                                          </a:rPr>
+                                          <m:t>𝑟</m:t>
+                                        </m:r>
+                                      </m:e>
+                                      <m:sub>
+                                        <m:r>
+                                          <a:rPr lang="en-US" altLang="ko-KR" sz="1400" i="1" kern="0">
+                                            <a:solidFill>
+                                              <a:srgbClr val="000000"/>
+                                            </a:solidFill>
+                                            <a:latin typeface="Cambria Math"/>
+                                            <a:ea typeface="+mn-ea"/>
+                                            <a:cs typeface="Tahoma" panose="020B0604030504040204" pitchFamily="34" charset="0"/>
+                                          </a:rPr>
+                                          <m:t>𝑖</m:t>
+                                        </m:r>
+                                      </m:sub>
+                                    </m:sSub>
                                   </m:e>
                                 </m:d>
                                 <m:r>
-                                  <a:rPr lang="en-US" altLang="ko-KR" sz="1400" b="0" i="1" kern="0" smtClean="0">
+                                  <a:rPr lang="en-US" altLang="ko-KR" sz="1050" b="0" i="1" kern="0" smtClean="0">
                                     <a:solidFill>
                                       <a:srgbClr val="000000"/>
                                     </a:solidFill>
@@ -11463,7 +11507,7 @@
                                   <m:t>=</m:t>
                                 </m:r>
                                 <m:r>
-                                  <a:rPr lang="en-US" altLang="ko-KR" sz="1400" b="0" i="1" kern="0" smtClean="0">
+                                  <a:rPr lang="en-US" altLang="ko-KR" sz="1050" b="0" i="1" kern="0" smtClean="0">
                                     <a:solidFill>
                                       <a:srgbClr val="000000"/>
                                     </a:solidFill>
@@ -11473,7 +11517,7 @@
                                   <m:t>𝐴</m:t>
                                 </m:r>
                                 <m:r>
-                                  <a:rPr lang="en-US" altLang="ko-KR" sz="1400" b="0" i="1" kern="0" smtClean="0">
+                                  <a:rPr lang="en-US" altLang="ko-KR" sz="1050" b="0" i="1" kern="0" smtClean="0">
                                     <a:solidFill>
                                       <a:srgbClr val="000000"/>
                                     </a:solidFill>
@@ -11486,7 +11530,7 @@
                                 <m:sSup>
                                   <m:sSupPr>
                                     <m:ctrlPr>
-                                      <a:rPr lang="en-US" altLang="ko-KR" sz="1400" b="0" i="1" kern="0" smtClean="0">
+                                      <a:rPr lang="en-US" altLang="ko-KR" sz="1050" b="0" i="1" kern="0" smtClean="0">
                                         <a:solidFill>
                                           <a:srgbClr val="000000"/>
                                         </a:solidFill>
@@ -11500,7 +11544,7 @@
                                     <m:sSub>
                                       <m:sSubPr>
                                         <m:ctrlPr>
-                                          <a:rPr lang="en-US" altLang="ko-KR" sz="1400" b="0" i="1" kern="0" smtClean="0">
+                                          <a:rPr lang="en-US" altLang="ko-KR" sz="1050" b="0" i="1" kern="0" smtClean="0">
                                             <a:solidFill>
                                               <a:srgbClr val="000000"/>
                                             </a:solidFill>
@@ -11512,7 +11556,7 @@
                                       </m:sSubPr>
                                       <m:e>
                                         <m:r>
-                                          <a:rPr lang="en-US" altLang="ko-KR" sz="1400" b="0" i="1" kern="0" smtClean="0">
+                                          <a:rPr lang="en-US" altLang="ko-KR" sz="1050" b="0" i="1" kern="0" smtClean="0">
                                             <a:solidFill>
                                               <a:srgbClr val="000000"/>
                                             </a:solidFill>
@@ -11525,7 +11569,7 @@
                                       </m:e>
                                       <m:sub>
                                         <m:r>
-                                          <a:rPr lang="en-US" altLang="ko-KR" sz="1400" b="0" i="1" kern="0" smtClean="0">
+                                          <a:rPr lang="en-US" altLang="ko-KR" sz="1050" b="0" i="1" kern="0" smtClean="0">
                                             <a:solidFill>
                                               <a:srgbClr val="000000"/>
                                             </a:solidFill>
@@ -11540,7 +11584,7 @@
                                   </m:e>
                                   <m:sup>
                                     <m:r>
-                                      <a:rPr lang="en-US" altLang="ko-KR" sz="1400" b="0" i="1" kern="0" smtClean="0">
+                                      <a:rPr lang="en-US" altLang="ko-KR" sz="1050" b="0" i="1" kern="0" smtClean="0">
                                         <a:solidFill>
                                           <a:srgbClr val="000000"/>
                                         </a:solidFill>
@@ -11553,7 +11597,7 @@
                                   </m:sup>
                                 </m:sSup>
                                 <m:r>
-                                  <a:rPr lang="en-US" altLang="ko-KR" sz="1400" b="0" i="1" kern="0" smtClean="0">
+                                  <a:rPr lang="en-US" altLang="ko-KR" sz="1050" b="0" i="1" kern="0" smtClean="0">
                                     <a:solidFill>
                                       <a:srgbClr val="000000"/>
                                     </a:solidFill>
@@ -11564,7 +11608,7 @@
                                   <m:t>+</m:t>
                                 </m:r>
                                 <m:r>
-                                  <a:rPr lang="en-US" altLang="ko-KR" sz="1400" b="0" i="1" kern="0" smtClean="0">
+                                  <a:rPr lang="en-US" altLang="ko-KR" sz="1050" b="0" i="1" kern="0" smtClean="0">
                                     <a:solidFill>
                                       <a:srgbClr val="000000"/>
                                     </a:solidFill>
@@ -11629,7 +11673,7 @@
                                 <m:sSubSup>
                                   <m:sSubSupPr>
                                     <m:ctrlPr>
-                                      <a:rPr lang="en-US" altLang="ko-KR" sz="1400" i="1" kern="0" smtClean="0">
+                                      <a:rPr lang="en-US" altLang="ko-KR" sz="1050" i="1" kern="0" smtClean="0">
                                         <a:solidFill>
                                           <a:srgbClr val="000000"/>
                                         </a:solidFill>
@@ -11641,7 +11685,7 @@
                                   </m:sSubSupPr>
                                   <m:e>
                                     <m:r>
-                                      <a:rPr lang="en-US" altLang="ko-KR" sz="1400" b="0" i="1" kern="0" smtClean="0">
+                                      <a:rPr lang="en-US" altLang="ko-KR" sz="1050" b="0" i="1" kern="0" smtClean="0">
                                         <a:solidFill>
                                           <a:srgbClr val="000000"/>
                                         </a:solidFill>
@@ -11652,7 +11696,7 @@
                                       <m:t>𝑄</m:t>
                                     </m:r>
                                     <m:r>
-                                      <a:rPr lang="en-US" altLang="ko-KR" sz="1400" b="0" i="1" kern="0" smtClean="0">
+                                      <a:rPr lang="en-US" altLang="ko-KR" sz="1050" b="0" i="1" kern="0" smtClean="0">
                                         <a:solidFill>
                                           <a:srgbClr val="000000"/>
                                         </a:solidFill>
@@ -11662,19 +11706,48 @@
                                       </a:rPr>
                                       <m:t>(</m:t>
                                     </m:r>
+                                    <m:sSub>
+                                      <m:sSubPr>
+                                        <m:ctrlPr>
+                                          <a:rPr lang="en-US" altLang="ko-KR" sz="1400" i="1" kern="0" smtClean="0">
+                                            <a:solidFill>
+                                              <a:srgbClr val="000000"/>
+                                            </a:solidFill>
+                                            <a:latin typeface="Cambria Math"/>
+                                            <a:ea typeface="+mn-ea"/>
+                                            <a:cs typeface="Tahoma" panose="020B0604030504040204" pitchFamily="34" charset="0"/>
+                                          </a:rPr>
+                                        </m:ctrlPr>
+                                      </m:sSubPr>
+                                      <m:e>
+                                        <m:r>
+                                          <a:rPr lang="en-US" altLang="ko-KR" sz="1400" i="1" kern="0">
+                                            <a:solidFill>
+                                              <a:srgbClr val="000000"/>
+                                            </a:solidFill>
+                                            <a:latin typeface="Cambria Math"/>
+                                            <a:ea typeface="+mn-ea"/>
+                                            <a:cs typeface="Tahoma" panose="020B0604030504040204" pitchFamily="34" charset="0"/>
+                                          </a:rPr>
+                                          <m:t>𝑟</m:t>
+                                        </m:r>
+                                      </m:e>
+                                      <m:sub>
+                                        <m:r>
+                                          <a:rPr lang="en-US" altLang="ko-KR" sz="1400" i="1" kern="0">
+                                            <a:solidFill>
+                                              <a:srgbClr val="000000"/>
+                                            </a:solidFill>
+                                            <a:latin typeface="Cambria Math"/>
+                                            <a:ea typeface="+mn-ea"/>
+                                            <a:cs typeface="Tahoma" panose="020B0604030504040204" pitchFamily="34" charset="0"/>
+                                          </a:rPr>
+                                          <m:t>𝑖</m:t>
+                                        </m:r>
+                                      </m:sub>
+                                    </m:sSub>
                                     <m:r>
-                                      <a:rPr lang="en-US" altLang="ko-KR" sz="1400" b="0" i="1" kern="0" smtClean="0">
-                                        <a:solidFill>
-                                          <a:srgbClr val="000000"/>
-                                        </a:solidFill>
-                                        <a:latin typeface="Cambria Math"/>
-                                        <a:ea typeface="+mn-ea"/>
-                                        <a:cs typeface="Tahoma" panose="020B0604030504040204" pitchFamily="34" charset="0"/>
-                                      </a:rPr>
-                                      <m:t>𝑖</m:t>
-                                    </m:r>
-                                    <m:r>
-                                      <a:rPr lang="en-US" altLang="ko-KR" sz="1400" b="0" i="1" kern="0" smtClean="0">
+                                      <a:rPr lang="en-US" altLang="ko-KR" sz="1050" b="0" i="1" kern="0" smtClean="0">
                                         <a:solidFill>
                                           <a:srgbClr val="000000"/>
                                         </a:solidFill>
@@ -11688,7 +11761,7 @@
                                   <m:sub/>
                                   <m:sup>
                                     <m:r>
-                                      <a:rPr lang="en-US" altLang="ko-KR" sz="1400" b="0" i="1" kern="0" smtClean="0">
+                                      <a:rPr lang="en-US" altLang="ko-KR" sz="1050" b="0" i="1" kern="0" smtClean="0">
                                         <a:solidFill>
                                           <a:srgbClr val="000000"/>
                                         </a:solidFill>
@@ -11785,7 +11858,7 @@
                                 <m:sSub>
                                   <m:sSubPr>
                                     <m:ctrlPr>
-                                      <a:rPr lang="en-US" altLang="ko-KR" sz="1400" i="1" smtClean="0">
+                                      <a:rPr lang="en-US" altLang="ko-KR" sz="1050" i="1" smtClean="0">
                                         <a:solidFill>
                                           <a:schemeClr val="tx1"/>
                                         </a:solidFill>
@@ -11795,7 +11868,7 @@
                                   </m:sSubPr>
                                   <m:e>
                                     <m:r>
-                                      <a:rPr lang="en-US" altLang="ko-KR" sz="1400" b="0" i="1" smtClean="0">
+                                      <a:rPr lang="en-US" altLang="ko-KR" sz="1050" b="0" i="1" smtClean="0">
                                         <a:solidFill>
                                           <a:schemeClr val="tx1"/>
                                         </a:solidFill>
@@ -11804,7 +11877,7 @@
                                       <m:t>𝑄</m:t>
                                     </m:r>
                                     <m:r>
-                                      <a:rPr lang="en-US" altLang="ko-KR" sz="1400" b="0" i="1" smtClean="0">
+                                      <a:rPr lang="en-US" altLang="ko-KR" sz="1050" b="0" i="1" smtClean="0">
                                         <a:solidFill>
                                           <a:schemeClr val="tx1"/>
                                         </a:solidFill>
@@ -11812,17 +11885,48 @@
                                       </a:rPr>
                                       <m:t>(</m:t>
                                     </m:r>
+                                    <m:sSub>
+                                      <m:sSubPr>
+                                        <m:ctrlPr>
+                                          <a:rPr lang="en-US" altLang="ko-KR" sz="1400" i="1" kern="0" smtClean="0">
+                                            <a:solidFill>
+                                              <a:srgbClr val="000000"/>
+                                            </a:solidFill>
+                                            <a:latin typeface="Cambria Math"/>
+                                            <a:ea typeface="+mn-ea"/>
+                                            <a:cs typeface="Tahoma" panose="020B0604030504040204" pitchFamily="34" charset="0"/>
+                                          </a:rPr>
+                                        </m:ctrlPr>
+                                      </m:sSubPr>
+                                      <m:e>
+                                        <m:r>
+                                          <a:rPr lang="en-US" altLang="ko-KR" sz="1400" i="1" kern="0">
+                                            <a:solidFill>
+                                              <a:srgbClr val="000000"/>
+                                            </a:solidFill>
+                                            <a:latin typeface="Cambria Math"/>
+                                            <a:ea typeface="+mn-ea"/>
+                                            <a:cs typeface="Tahoma" panose="020B0604030504040204" pitchFamily="34" charset="0"/>
+                                          </a:rPr>
+                                          <m:t>𝑟</m:t>
+                                        </m:r>
+                                      </m:e>
+                                      <m:sub>
+                                        <m:r>
+                                          <a:rPr lang="en-US" altLang="ko-KR" sz="1400" i="1" kern="0">
+                                            <a:solidFill>
+                                              <a:srgbClr val="000000"/>
+                                            </a:solidFill>
+                                            <a:latin typeface="Cambria Math"/>
+                                            <a:ea typeface="+mn-ea"/>
+                                            <a:cs typeface="Tahoma" panose="020B0604030504040204" pitchFamily="34" charset="0"/>
+                                          </a:rPr>
+                                          <m:t>𝑖</m:t>
+                                        </m:r>
+                                      </m:sub>
+                                    </m:sSub>
                                     <m:r>
-                                      <a:rPr lang="en-US" altLang="ko-KR" sz="1400" b="0" i="1" smtClean="0">
-                                        <a:solidFill>
-                                          <a:schemeClr val="tx1"/>
-                                        </a:solidFill>
-                                        <a:latin typeface="Cambria Math"/>
-                                      </a:rPr>
-                                      <m:t>𝑖</m:t>
-                                    </m:r>
-                                    <m:r>
-                                      <a:rPr lang="en-US" altLang="ko-KR" sz="1400" b="0" i="1" smtClean="0">
+                                      <a:rPr lang="en-US" altLang="ko-KR" sz="1050" b="0" i="1" smtClean="0">
                                         <a:solidFill>
                                           <a:schemeClr val="tx1"/>
                                         </a:solidFill>
@@ -11835,7 +11939,7 @@
                                     <m:sSub>
                                       <m:sSubPr>
                                         <m:ctrlPr>
-                                          <a:rPr lang="en-US" altLang="ko-KR" sz="1400" i="1" smtClean="0">
+                                          <a:rPr lang="en-US" altLang="ko-KR" sz="1050" i="1" smtClean="0">
                                             <a:solidFill>
                                               <a:schemeClr val="tx1"/>
                                             </a:solidFill>
@@ -11845,7 +11949,7 @@
                                       </m:sSubPr>
                                       <m:e>
                                         <m:r>
-                                          <a:rPr lang="en-US" altLang="ko-KR" sz="1400" b="0" i="1" smtClean="0">
+                                          <a:rPr lang="en-US" altLang="ko-KR" sz="1050" b="0" i="1" smtClean="0">
                                             <a:solidFill>
                                               <a:schemeClr val="tx1"/>
                                             </a:solidFill>
@@ -11856,7 +11960,7 @@
                                       </m:e>
                                       <m:sub>
                                         <m:r>
-                                          <a:rPr lang="en-US" altLang="ko-KR" sz="1400" b="0" i="1" smtClean="0">
+                                          <a:rPr lang="en-US" altLang="ko-KR" sz="1050" b="0" i="1" smtClean="0">
                                             <a:solidFill>
                                               <a:schemeClr val="tx1"/>
                                             </a:solidFill>
@@ -12145,7 +12249,7 @@
                           <a:pPr algn="ctr" latinLnBrk="1"/>
                           <a:r>
                             <a:rPr lang="en-US" altLang="ko-KR" sz="1400" dirty="0" smtClean="0"/>
-                            <a:t>Playback time at </a:t>
+                            <a:t>Playback Time at </a:t>
                           </a:r>
                           <a14:m>
                             <m:oMath xmlns:m="http://schemas.openxmlformats.org/officeDocument/2006/math">
@@ -12204,40 +12308,59 @@
                                 <m:jc m:val="centerGroup"/>
                               </m:oMathParaPr>
                               <m:oMath xmlns:m="http://schemas.openxmlformats.org/officeDocument/2006/math">
-                                <m:sSub>
-                                  <m:sSubPr>
+                                <m:sSubSup>
+                                  <m:sSubSupPr>
                                     <m:ctrlPr>
-                                      <a:rPr lang="en-US" altLang="ko-KR" sz="1400" i="1" smtClean="0">
+                                      <a:rPr lang="en-US" altLang="ko-KR" sz="1400" i="1" kern="0" smtClean="0">
                                         <a:solidFill>
-                                          <a:schemeClr val="tx1"/>
+                                          <a:srgbClr val="000000"/>
                                         </a:solidFill>
                                         <a:latin typeface="Cambria Math"/>
+                                        <a:ea typeface="Cambria Math"/>
+                                        <a:cs typeface="Tahoma" panose="020B0604030504040204" pitchFamily="34" charset="0"/>
                                       </a:rPr>
                                     </m:ctrlPr>
-                                  </m:sSubPr>
+                                  </m:sSubSupPr>
                                   <m:e>
                                     <m:r>
-                                      <a:rPr lang="en-US" altLang="ko-KR" sz="1400" b="0" i="1" smtClean="0">
+                                      <a:rPr lang="en-US" altLang="ko-KR" sz="1400" b="0" i="1" kern="0" smtClean="0">
                                         <a:solidFill>
-                                          <a:schemeClr val="tx1"/>
+                                          <a:srgbClr val="000000"/>
                                         </a:solidFill>
                                         <a:latin typeface="Cambria Math"/>
+                                        <a:ea typeface="Cambria Math"/>
+                                        <a:cs typeface="Tahoma" panose="020B0604030504040204" pitchFamily="34" charset="0"/>
                                       </a:rPr>
-                                      <m:t>𝑏</m:t>
+                                      <m:t>𝑡</m:t>
                                     </m:r>
                                   </m:e>
                                   <m:sub>
                                     <m:r>
-                                      <a:rPr lang="en-US" altLang="ko-KR" sz="1400" i="1" smtClean="0">
+                                      <a:rPr lang="en-US" altLang="ko-KR" sz="1400" b="0" i="1" kern="0" smtClean="0">
                                         <a:solidFill>
-                                          <a:schemeClr val="tx1"/>
+                                          <a:srgbClr val="000000"/>
                                         </a:solidFill>
                                         <a:latin typeface="Cambria Math" panose="02040503050406030204" pitchFamily="18" charset="0"/>
+                                        <a:ea typeface="Cambria Math"/>
+                                        <a:cs typeface="Tahoma" panose="020B0604030504040204" pitchFamily="34" charset="0"/>
                                       </a:rPr>
                                       <m:t>𝑖</m:t>
                                     </m:r>
                                   </m:sub>
-                                </m:sSub>
+                                  <m:sup>
+                                    <m:r>
+                                      <a:rPr lang="en-US" altLang="ko-KR" sz="1400" b="0" i="1" kern="0" smtClean="0">
+                                        <a:solidFill>
+                                          <a:srgbClr val="000000"/>
+                                        </a:solidFill>
+                                        <a:latin typeface="Cambria Math"/>
+                                        <a:ea typeface="Cambria Math"/>
+                                        <a:cs typeface="Tahoma" panose="020B0604030504040204" pitchFamily="34" charset="0"/>
+                                      </a:rPr>
+                                      <m:t>𝑏𝑢𝑓𝑓𝑒𝑟</m:t>
+                                    </m:r>
+                                  </m:sup>
+                                </m:sSubSup>
                               </m:oMath>
                             </m:oMathPara>
                           </a14:m>
@@ -12261,12 +12384,8 @@
                         <a:p>
                           <a:pPr algn="ctr" latinLnBrk="1"/>
                           <a:r>
-                            <a:rPr lang="en-US" altLang="ko-KR" sz="1400" dirty="0" smtClean="0"/>
-                            <a:t>Accumulated</a:t>
-                          </a:r>
-                          <a:r>
                             <a:rPr lang="en-US" altLang="ko-KR" sz="1400" baseline="0" dirty="0" smtClean="0"/>
-                            <a:t> bytes at</a:t>
+                            <a:t>Buffered Time at</a:t>
                           </a:r>
                           <a:r>
                             <a:rPr lang="en-US" altLang="ko-KR" sz="1400" dirty="0" smtClean="0"/>
@@ -12672,7 +12791,7 @@
               <p:nvPr>
                 <p:extLst>
                   <p:ext uri="{D42A27DB-BD31-4B8C-83A1-F6EECF244321}">
-                    <p14:modId xmlns:p14="http://schemas.microsoft.com/office/powerpoint/2010/main" val="1402518241"/>
+                    <p14:modId xmlns:p14="http://schemas.microsoft.com/office/powerpoint/2010/main" val="3308993195"/>
                   </p:ext>
                 </p:extLst>
               </p:nvPr>
@@ -13707,14 +13826,10 @@
                           <a:pPr algn="ctr" latinLnBrk="1"/>
                           <a:r>
                             <a:rPr lang="en-US" altLang="ko-KR" sz="1400" dirty="0" smtClean="0"/>
-                            <a:t>UE index, </a:t>
+                            <a:t>UE index, AP</a:t>
                           </a:r>
                           <a:r>
-                            <a:rPr lang="en-US" altLang="ko-KR" sz="1400" smtClean="0"/>
-                            <a:t>AP</a:t>
-                          </a:r>
-                          <a:r>
-                            <a:rPr lang="en-US" altLang="ko-KR" sz="1400" baseline="0" smtClean="0"/>
+                            <a:rPr lang="en-US" altLang="ko-KR" sz="1400" baseline="0" dirty="0" smtClean="0"/>
                             <a:t> index</a:t>
                           </a:r>
                           <a:endParaRPr lang="ko-KR" altLang="en-US" sz="1400" dirty="0"/>
